--- a/Jewish Bookshelf IR System.pptx
+++ b/Jewish Bookshelf IR System.pptx
@@ -216,7 +216,7 @@
           <a:p>
             <a:fld id="{AAD71016-DD9C-4AAD-8028-88364BFD6EEF}" type="datetimeFigureOut">
               <a:rPr lang="en-US" smtClean="0"/>
-              <a:t>3/15/2017</a:t>
+              <a:t>16/03/2017</a:t>
             </a:fld>
             <a:endParaRPr lang="en-US"/>
           </a:p>
@@ -503,7 +503,7 @@
       </p:grpSpPr>
       <p:sp>
         <p:nvSpPr>
-          <p:cNvPr id="2" name="מציין מיקום של תמונת שקופית 1"/>
+          <p:cNvPr id="2" name="Slide Image Placeholder 1"/>
           <p:cNvSpPr>
             <a:spLocks noGrp="1" noRot="1" noChangeAspect="1"/>
           </p:cNvSpPr>
@@ -515,7 +515,7 @@
       </p:sp>
       <p:sp>
         <p:nvSpPr>
-          <p:cNvPr id="3" name="מציין מיקום של הערות 2"/>
+          <p:cNvPr id="3" name="Notes Placeholder 2"/>
           <p:cNvSpPr>
             <a:spLocks noGrp="1"/>
           </p:cNvSpPr>
@@ -534,7 +534,7 @@
       </p:sp>
       <p:sp>
         <p:nvSpPr>
-          <p:cNvPr id="4" name="מציין מיקום של מספר שקופית 3"/>
+          <p:cNvPr id="4" name="Slide Number Placeholder 3"/>
           <p:cNvSpPr>
             <a:spLocks noGrp="1"/>
           </p:cNvSpPr>
@@ -549,7 +549,7 @@
           <a:p>
             <a:fld id="{371CED64-F2A4-43A7-95A8-B8289619F8E6}" type="slidenum">
               <a:rPr lang="en-US" smtClean="0"/>
-              <a:t>7</a:t>
+              <a:t>1</a:t>
             </a:fld>
             <a:endParaRPr lang="en-US"/>
           </a:p>
@@ -558,7 +558,7 @@
     </p:spTree>
     <p:extLst>
       <p:ext uri="{BB962C8B-B14F-4D97-AF65-F5344CB8AC3E}">
-        <p14:creationId xmlns:p14="http://schemas.microsoft.com/office/powerpoint/2010/main" val="3317432092"/>
+        <p14:creationId xmlns:p14="http://schemas.microsoft.com/office/powerpoint/2010/main" val="370827632"/>
       </p:ext>
     </p:extLst>
   </p:cSld>
@@ -612,7 +612,7 @@
           <a:bodyPr/>
           <a:lstStyle/>
           <a:p>
-            <a:endParaRPr lang="en-US" dirty="0"/>
+            <a:endParaRPr lang="en-US"/>
           </a:p>
         </p:txBody>
       </p:sp>
@@ -633,7 +633,7 @@
           <a:p>
             <a:fld id="{371CED64-F2A4-43A7-95A8-B8289619F8E6}" type="slidenum">
               <a:rPr lang="en-US" smtClean="0"/>
-              <a:t>9</a:t>
+              <a:t>7</a:t>
             </a:fld>
             <a:endParaRPr lang="en-US"/>
           </a:p>
@@ -642,7 +642,7 @@
     </p:spTree>
     <p:extLst>
       <p:ext uri="{BB962C8B-B14F-4D97-AF65-F5344CB8AC3E}">
-        <p14:creationId xmlns:p14="http://schemas.microsoft.com/office/powerpoint/2010/main" val="2082407179"/>
+        <p14:creationId xmlns:p14="http://schemas.microsoft.com/office/powerpoint/2010/main" val="3317432092"/>
       </p:ext>
     </p:extLst>
   </p:cSld>
@@ -696,35 +696,6 @@
           <a:bodyPr/>
           <a:lstStyle/>
           <a:p>
-            <a:r>
-              <a:rPr lang="en-US" dirty="0" smtClean="0"/>
-              <a:t>BM25</a:t>
-            </a:r>
-          </a:p>
-          <a:p>
-            <a:pPr marL="0" marR="0" indent="0" algn="l" defTabSz="914400" rtl="0" eaLnBrk="1" fontAlgn="auto" latinLnBrk="0" hangingPunct="1">
-              <a:lnSpc>
-                <a:spcPct val="100000"/>
-              </a:lnSpc>
-              <a:spcBef>
-                <a:spcPts val="0"/>
-              </a:spcBef>
-              <a:spcAft>
-                <a:spcPts val="0"/>
-              </a:spcAft>
-              <a:buClrTx/>
-              <a:buSzTx/>
-              <a:buFontTx/>
-              <a:buNone/>
-              <a:tabLst/>
-              <a:defRPr/>
-            </a:pPr>
-            <a:r>
-              <a:rPr lang="en-US" dirty="0" smtClean="0"/>
-              <a:t>https://www.elastic.co/guide/en/elasticsearch/guide/current/pluggable-similarites.html</a:t>
-            </a:r>
-          </a:p>
-          <a:p>
             <a:endParaRPr lang="en-US" dirty="0"/>
           </a:p>
         </p:txBody>
@@ -746,7 +717,7 @@
           <a:p>
             <a:fld id="{371CED64-F2A4-43A7-95A8-B8289619F8E6}" type="slidenum">
               <a:rPr lang="en-US" smtClean="0"/>
-              <a:t>10</a:t>
+              <a:t>9</a:t>
             </a:fld>
             <a:endParaRPr lang="en-US"/>
           </a:p>
@@ -755,7 +726,7 @@
     </p:spTree>
     <p:extLst>
       <p:ext uri="{BB962C8B-B14F-4D97-AF65-F5344CB8AC3E}">
-        <p14:creationId xmlns:p14="http://schemas.microsoft.com/office/powerpoint/2010/main" val="1732142403"/>
+        <p14:creationId xmlns:p14="http://schemas.microsoft.com/office/powerpoint/2010/main" val="2082407179"/>
       </p:ext>
     </p:extLst>
   </p:cSld>
@@ -811,8 +782,33 @@
           <a:p>
             <a:r>
               <a:rPr lang="en-US" dirty="0" smtClean="0"/>
-              <a:t>HebMorph Wiki: https://github.com/TechnionTDK/jbs-ir/wiki/HebMorph-Analysis-Example</a:t>
-            </a:r>
+              <a:t>BM25</a:t>
+            </a:r>
+          </a:p>
+          <a:p>
+            <a:pPr marL="0" marR="0" indent="0" algn="l" defTabSz="914400" rtl="0" eaLnBrk="1" fontAlgn="auto" latinLnBrk="0" hangingPunct="1">
+              <a:lnSpc>
+                <a:spcPct val="100000"/>
+              </a:lnSpc>
+              <a:spcBef>
+                <a:spcPts val="0"/>
+              </a:spcBef>
+              <a:spcAft>
+                <a:spcPts val="0"/>
+              </a:spcAft>
+              <a:buClrTx/>
+              <a:buSzTx/>
+              <a:buFontTx/>
+              <a:buNone/>
+              <a:tabLst/>
+              <a:defRPr/>
+            </a:pPr>
+            <a:r>
+              <a:rPr lang="en-US" dirty="0" smtClean="0"/>
+              <a:t>https://www.elastic.co/guide/en/elasticsearch/guide/current/pluggable-similarites.html</a:t>
+            </a:r>
+          </a:p>
+          <a:p>
             <a:endParaRPr lang="en-US" dirty="0"/>
           </a:p>
         </p:txBody>
@@ -834,7 +830,7 @@
           <a:p>
             <a:fld id="{371CED64-F2A4-43A7-95A8-B8289619F8E6}" type="slidenum">
               <a:rPr lang="en-US" smtClean="0"/>
-              <a:t>12</a:t>
+              <a:t>10</a:t>
             </a:fld>
             <a:endParaRPr lang="en-US"/>
           </a:p>
@@ -843,7 +839,7 @@
     </p:spTree>
     <p:extLst>
       <p:ext uri="{BB962C8B-B14F-4D97-AF65-F5344CB8AC3E}">
-        <p14:creationId xmlns:p14="http://schemas.microsoft.com/office/powerpoint/2010/main" val="1092354733"/>
+        <p14:creationId xmlns:p14="http://schemas.microsoft.com/office/powerpoint/2010/main" val="1732142403"/>
       </p:ext>
     </p:extLst>
   </p:cSld>
@@ -897,6 +893,94 @@
           <a:bodyPr/>
           <a:lstStyle/>
           <a:p>
+            <a:r>
+              <a:rPr lang="en-US" dirty="0" smtClean="0"/>
+              <a:t>HebMorph Wiki: https://github.com/TechnionTDK/jbs-ir/wiki/HebMorph-Analysis-Example</a:t>
+            </a:r>
+            <a:endParaRPr lang="en-US" dirty="0"/>
+          </a:p>
+        </p:txBody>
+      </p:sp>
+      <p:sp>
+        <p:nvSpPr>
+          <p:cNvPr id="4" name="מציין מיקום של מספר שקופית 3"/>
+          <p:cNvSpPr>
+            <a:spLocks noGrp="1"/>
+          </p:cNvSpPr>
+          <p:nvPr>
+            <p:ph type="sldNum" sz="quarter" idx="10"/>
+          </p:nvPr>
+        </p:nvSpPr>
+        <p:spPr/>
+        <p:txBody>
+          <a:bodyPr/>
+          <a:lstStyle/>
+          <a:p>
+            <a:fld id="{371CED64-F2A4-43A7-95A8-B8289619F8E6}" type="slidenum">
+              <a:rPr lang="en-US" smtClean="0"/>
+              <a:t>12</a:t>
+            </a:fld>
+            <a:endParaRPr lang="en-US"/>
+          </a:p>
+        </p:txBody>
+      </p:sp>
+    </p:spTree>
+    <p:extLst>
+      <p:ext uri="{BB962C8B-B14F-4D97-AF65-F5344CB8AC3E}">
+        <p14:creationId xmlns:p14="http://schemas.microsoft.com/office/powerpoint/2010/main" val="1092354733"/>
+      </p:ext>
+    </p:extLst>
+  </p:cSld>
+  <p:clrMapOvr>
+    <a:masterClrMapping/>
+  </p:clrMapOvr>
+</p:notes>
+</file>
+
+<file path=ppt/notesSlides/notesSlide6.xml><?xml version="1.0" encoding="utf-8"?>
+<p:notes xmlns:a="http://schemas.openxmlformats.org/drawingml/2006/main" xmlns:r="http://schemas.openxmlformats.org/officeDocument/2006/relationships" xmlns:p="http://schemas.openxmlformats.org/presentationml/2006/main">
+  <p:cSld>
+    <p:spTree>
+      <p:nvGrpSpPr>
+        <p:cNvPr id="1" name=""/>
+        <p:cNvGrpSpPr/>
+        <p:nvPr/>
+      </p:nvGrpSpPr>
+      <p:grpSpPr>
+        <a:xfrm>
+          <a:off x="0" y="0"/>
+          <a:ext cx="0" cy="0"/>
+          <a:chOff x="0" y="0"/>
+          <a:chExt cx="0" cy="0"/>
+        </a:xfrm>
+      </p:grpSpPr>
+      <p:sp>
+        <p:nvSpPr>
+          <p:cNvPr id="2" name="מציין מיקום של תמונת שקופית 1"/>
+          <p:cNvSpPr>
+            <a:spLocks noGrp="1" noRot="1" noChangeAspect="1"/>
+          </p:cNvSpPr>
+          <p:nvPr>
+            <p:ph type="sldImg"/>
+          </p:nvPr>
+        </p:nvSpPr>
+        <p:spPr/>
+      </p:sp>
+      <p:sp>
+        <p:nvSpPr>
+          <p:cNvPr id="3" name="מציין מיקום של הערות 2"/>
+          <p:cNvSpPr>
+            <a:spLocks noGrp="1"/>
+          </p:cNvSpPr>
+          <p:nvPr>
+            <p:ph type="body" idx="1"/>
+          </p:nvPr>
+        </p:nvSpPr>
+        <p:spPr/>
+        <p:txBody>
+          <a:bodyPr/>
+          <a:lstStyle/>
+          <a:p>
             <a:endParaRPr lang="en-US" dirty="0"/>
           </a:p>
         </p:txBody>
@@ -937,7 +1021,7 @@
 </p:notes>
 </file>
 
-<file path=ppt/notesSlides/notesSlide6.xml><?xml version="1.0" encoding="utf-8"?>
+<file path=ppt/notesSlides/notesSlide7.xml><?xml version="1.0" encoding="utf-8"?>
 <p:notes xmlns:a="http://schemas.openxmlformats.org/drawingml/2006/main" xmlns:r="http://schemas.openxmlformats.org/officeDocument/2006/relationships" xmlns:p="http://schemas.openxmlformats.org/presentationml/2006/main">
   <p:cSld>
     <p:spTree>
@@ -1245,9 +1329,9 @@
           <a:bodyPr/>
           <a:lstStyle/>
           <a:p>
-            <a:fld id="{5C6E9E7C-410C-4F00-9A25-AE9415FF0D02}" type="datetimeFigureOut">
+            <a:fld id="{969C9539-A737-4956-A749-359A2D952436}" type="datetime1">
               <a:rPr lang="en-US" smtClean="0"/>
-              <a:t>3/15/2017</a:t>
+              <a:t>16/03/2017</a:t>
             </a:fld>
             <a:endParaRPr lang="en-US"/>
           </a:p>
@@ -1456,9 +1540,9 @@
           <a:bodyPr/>
           <a:lstStyle/>
           <a:p>
-            <a:fld id="{5C6E9E7C-410C-4F00-9A25-AE9415FF0D02}" type="datetimeFigureOut">
+            <a:fld id="{BEE01510-E85C-4EEA-AF30-A37EC9FC0441}" type="datetime1">
               <a:rPr lang="en-US" smtClean="0"/>
-              <a:t>3/15/2017</a:t>
+              <a:t>16/03/2017</a:t>
             </a:fld>
             <a:endParaRPr lang="en-US"/>
           </a:p>
@@ -1715,9 +1799,9 @@
           <a:bodyPr/>
           <a:lstStyle/>
           <a:p>
-            <a:fld id="{5C6E9E7C-410C-4F00-9A25-AE9415FF0D02}" type="datetimeFigureOut">
+            <a:fld id="{0DC3E96C-4FBE-4CE9-9793-77E4C3973528}" type="datetime1">
               <a:rPr lang="en-US" smtClean="0"/>
-              <a:t>3/15/2017</a:t>
+              <a:t>16/03/2017</a:t>
             </a:fld>
             <a:endParaRPr lang="en-US"/>
           </a:p>
@@ -1888,9 +1972,9 @@
           <a:bodyPr/>
           <a:lstStyle/>
           <a:p>
-            <a:fld id="{5C6E9E7C-410C-4F00-9A25-AE9415FF0D02}" type="datetimeFigureOut">
+            <a:fld id="{5165555E-1D22-4513-BA45-CF1C14A4F5C8}" type="datetime1">
               <a:rPr lang="en-US" smtClean="0"/>
-              <a:t>3/15/2017</a:t>
+              <a:t>16/03/2017</a:t>
             </a:fld>
             <a:endParaRPr lang="en-US"/>
           </a:p>
@@ -2234,9 +2318,9 @@
           <a:bodyPr/>
           <a:lstStyle/>
           <a:p>
-            <a:fld id="{5C6E9E7C-410C-4F00-9A25-AE9415FF0D02}" type="datetimeFigureOut">
+            <a:fld id="{6928AEE7-D2A3-4EA7-AA61-55347C3FA994}" type="datetime1">
               <a:rPr lang="en-US" smtClean="0"/>
-              <a:t>3/15/2017</a:t>
+              <a:t>16/03/2017</a:t>
             </a:fld>
             <a:endParaRPr lang="en-US"/>
           </a:p>
@@ -2512,9 +2596,9 @@
           <a:bodyPr/>
           <a:lstStyle/>
           <a:p>
-            <a:fld id="{5C6E9E7C-410C-4F00-9A25-AE9415FF0D02}" type="datetimeFigureOut">
+            <a:fld id="{D13D3CFF-6204-446C-9B49-AF9D08CE1595}" type="datetime1">
               <a:rPr lang="en-US" smtClean="0"/>
-              <a:t>3/15/2017</a:t>
+              <a:t>16/03/2017</a:t>
             </a:fld>
             <a:endParaRPr lang="en-US"/>
           </a:p>
@@ -2894,9 +2978,9 @@
           <a:bodyPr/>
           <a:lstStyle/>
           <a:p>
-            <a:fld id="{5C6E9E7C-410C-4F00-9A25-AE9415FF0D02}" type="datetimeFigureOut">
+            <a:fld id="{8BEB8382-B43F-46DC-85B9-A7972E248A83}" type="datetime1">
               <a:rPr lang="en-US" smtClean="0"/>
-              <a:t>3/15/2017</a:t>
+              <a:t>16/03/2017</a:t>
             </a:fld>
             <a:endParaRPr lang="en-US"/>
           </a:p>
@@ -3015,9 +3099,9 @@
           <a:bodyPr/>
           <a:lstStyle/>
           <a:p>
-            <a:fld id="{5C6E9E7C-410C-4F00-9A25-AE9415FF0D02}" type="datetimeFigureOut">
+            <a:fld id="{28BD8A72-34B3-4C9E-9978-3161AA3C1006}" type="datetime1">
               <a:rPr lang="en-US" smtClean="0"/>
-              <a:t>3/15/2017</a:t>
+              <a:t>16/03/2017</a:t>
             </a:fld>
             <a:endParaRPr lang="en-US"/>
           </a:p>
@@ -3189,9 +3273,9 @@
           <a:bodyPr/>
           <a:lstStyle/>
           <a:p>
-            <a:fld id="{5C6E9E7C-410C-4F00-9A25-AE9415FF0D02}" type="datetimeFigureOut">
+            <a:fld id="{D2130325-42DB-4132-97D8-122F47ABCB7D}" type="datetime1">
               <a:rPr lang="en-US" smtClean="0"/>
-              <a:t>3/15/2017</a:t>
+              <a:t>16/03/2017</a:t>
             </a:fld>
             <a:endParaRPr lang="en-US"/>
           </a:p>
@@ -3546,9 +3630,9 @@
             </a:lvl1pPr>
           </a:lstStyle>
           <a:p>
-            <a:fld id="{5C6E9E7C-410C-4F00-9A25-AE9415FF0D02}" type="datetimeFigureOut">
+            <a:fld id="{424EB9FA-A144-4B11-889C-BC4CC0676214}" type="datetime1">
               <a:rPr lang="en-US" smtClean="0"/>
-              <a:t>3/15/2017</a:t>
+              <a:t>16/03/2017</a:t>
             </a:fld>
             <a:endParaRPr lang="en-US"/>
           </a:p>
@@ -3926,9 +4010,9 @@
           <a:bodyPr/>
           <a:lstStyle/>
           <a:p>
-            <a:fld id="{5C6E9E7C-410C-4F00-9A25-AE9415FF0D02}" type="datetimeFigureOut">
+            <a:fld id="{30F63A8A-1A44-41E0-8D99-3F967DE320C1}" type="datetime1">
               <a:rPr lang="en-US" smtClean="0"/>
-              <a:t>3/15/2017</a:t>
+              <a:t>16/03/2017</a:t>
             </a:fld>
             <a:endParaRPr lang="en-US"/>
           </a:p>
@@ -4216,9 +4300,9 @@
             </a:lvl1pPr>
           </a:lstStyle>
           <a:p>
-            <a:fld id="{5C6E9E7C-410C-4F00-9A25-AE9415FF0D02}" type="datetimeFigureOut">
+            <a:fld id="{B7653353-42CB-4BF3-B3B1-D1A894B40A2C}" type="datetime1">
               <a:rPr lang="en-US" smtClean="0"/>
-              <a:t>3/15/2017</a:t>
+              <a:t>16/03/2017</a:t>
             </a:fld>
             <a:endParaRPr lang="en-US"/>
           </a:p>
@@ -4360,6 +4444,7 @@
   <p:transition>
     <p:fade/>
   </p:transition>
+  <p:hf hdr="0" ftr="0" dt="0"/>
   <p:txStyles>
     <p:titleStyle>
       <a:lvl1pPr algn="l" defTabSz="914400" rtl="0" eaLnBrk="1" latinLnBrk="0" hangingPunct="1">
@@ -4830,6 +4915,29 @@
           </a:p>
         </p:txBody>
       </p:sp>
+      <p:sp>
+        <p:nvSpPr>
+          <p:cNvPr id="4" name="Slide Number Placeholder 3"/>
+          <p:cNvSpPr>
+            <a:spLocks noGrp="1"/>
+          </p:cNvSpPr>
+          <p:nvPr>
+            <p:ph type="sldNum" sz="quarter" idx="12"/>
+          </p:nvPr>
+        </p:nvSpPr>
+        <p:spPr/>
+        <p:txBody>
+          <a:bodyPr/>
+          <a:lstStyle/>
+          <a:p>
+            <a:fld id="{4A7ABA5F-83ED-4133-89E4-6F5D6281BFBC}" type="slidenum">
+              <a:rPr lang="en-US" smtClean="0"/>
+              <a:t>1</a:t>
+            </a:fld>
+            <a:endParaRPr lang="en-US"/>
+          </a:p>
+        </p:txBody>
+      </p:sp>
     </p:spTree>
     <p:extLst>
       <p:ext uri="{BB962C8B-B14F-4D97-AF65-F5344CB8AC3E}">
@@ -5018,6 +5126,29 @@
           </a:prstGeom>
         </p:spPr>
       </p:pic>
+      <p:sp>
+        <p:nvSpPr>
+          <p:cNvPr id="5" name="Slide Number Placeholder 4"/>
+          <p:cNvSpPr>
+            <a:spLocks noGrp="1"/>
+          </p:cNvSpPr>
+          <p:nvPr>
+            <p:ph type="sldNum" sz="quarter" idx="12"/>
+          </p:nvPr>
+        </p:nvSpPr>
+        <p:spPr/>
+        <p:txBody>
+          <a:bodyPr/>
+          <a:lstStyle/>
+          <a:p>
+            <a:fld id="{4A7ABA5F-83ED-4133-89E4-6F5D6281BFBC}" type="slidenum">
+              <a:rPr lang="en-US" smtClean="0"/>
+              <a:t>10</a:t>
+            </a:fld>
+            <a:endParaRPr lang="en-US"/>
+          </a:p>
+        </p:txBody>
+      </p:sp>
     </p:spTree>
     <p:extLst>
       <p:ext uri="{BB962C8B-B14F-4D97-AF65-F5344CB8AC3E}">
@@ -5149,6 +5280,29 @@
               <a:t> than without it</a:t>
             </a:r>
             <a:endParaRPr lang="en-US" sz="2800" dirty="0"/>
+          </a:p>
+        </p:txBody>
+      </p:sp>
+      <p:sp>
+        <p:nvSpPr>
+          <p:cNvPr id="4" name="Slide Number Placeholder 3"/>
+          <p:cNvSpPr>
+            <a:spLocks noGrp="1"/>
+          </p:cNvSpPr>
+          <p:nvPr>
+            <p:ph type="sldNum" sz="quarter" idx="12"/>
+          </p:nvPr>
+        </p:nvSpPr>
+        <p:spPr/>
+        <p:txBody>
+          <a:bodyPr/>
+          <a:lstStyle/>
+          <a:p>
+            <a:fld id="{4A7ABA5F-83ED-4133-89E4-6F5D6281BFBC}" type="slidenum">
+              <a:rPr lang="en-US" smtClean="0"/>
+              <a:t>11</a:t>
+            </a:fld>
+            <a:endParaRPr lang="en-US"/>
           </a:p>
         </p:txBody>
       </p:sp>
@@ -5582,6 +5736,29 @@
           </a:p>
         </p:txBody>
       </p:sp>
+      <p:sp>
+        <p:nvSpPr>
+          <p:cNvPr id="4" name="Slide Number Placeholder 3"/>
+          <p:cNvSpPr>
+            <a:spLocks noGrp="1"/>
+          </p:cNvSpPr>
+          <p:nvPr>
+            <p:ph type="sldNum" sz="quarter" idx="12"/>
+          </p:nvPr>
+        </p:nvSpPr>
+        <p:spPr/>
+        <p:txBody>
+          <a:bodyPr/>
+          <a:lstStyle/>
+          <a:p>
+            <a:fld id="{4A7ABA5F-83ED-4133-89E4-6F5D6281BFBC}" type="slidenum">
+              <a:rPr lang="en-US" smtClean="0"/>
+              <a:t>12</a:t>
+            </a:fld>
+            <a:endParaRPr lang="en-US"/>
+          </a:p>
+        </p:txBody>
+      </p:sp>
     </p:spTree>
     <p:extLst>
       <p:ext uri="{BB962C8B-B14F-4D97-AF65-F5344CB8AC3E}">
@@ -5639,11 +5816,7 @@
           <a:p>
             <a:r>
               <a:rPr lang="en-US" dirty="0" smtClean="0"/>
-              <a:t>JSON Parser </a:t>
-            </a:r>
-            <a:r>
-              <a:rPr lang="en-US" dirty="0" smtClean="0"/>
-              <a:t>tool</a:t>
+              <a:t>JSON Parser tool</a:t>
             </a:r>
             <a:endParaRPr lang="en-US" dirty="0"/>
           </a:p>
@@ -5770,6 +5943,29 @@
           </a:prstGeom>
         </p:spPr>
       </p:pic>
+      <p:sp>
+        <p:nvSpPr>
+          <p:cNvPr id="5" name="Slide Number Placeholder 4"/>
+          <p:cNvSpPr>
+            <a:spLocks noGrp="1"/>
+          </p:cNvSpPr>
+          <p:nvPr>
+            <p:ph type="sldNum" sz="quarter" idx="12"/>
+          </p:nvPr>
+        </p:nvSpPr>
+        <p:spPr/>
+        <p:txBody>
+          <a:bodyPr/>
+          <a:lstStyle/>
+          <a:p>
+            <a:fld id="{4A7ABA5F-83ED-4133-89E4-6F5D6281BFBC}" type="slidenum">
+              <a:rPr lang="en-US" smtClean="0"/>
+              <a:t>13</a:t>
+            </a:fld>
+            <a:endParaRPr lang="en-US"/>
+          </a:p>
+        </p:txBody>
+      </p:sp>
     </p:spTree>
     <p:extLst>
       <p:ext uri="{BB962C8B-B14F-4D97-AF65-F5344CB8AC3E}">
@@ -5827,11 +6023,7 @@
           <a:p>
             <a:r>
               <a:rPr lang="en-US" dirty="0" smtClean="0"/>
-              <a:t>Evaluation </a:t>
-            </a:r>
-            <a:r>
-              <a:rPr lang="en-US" dirty="0" smtClean="0"/>
-              <a:t>tool</a:t>
+              <a:t>Evaluation tool</a:t>
             </a:r>
             <a:endParaRPr lang="en-US" dirty="0"/>
           </a:p>
@@ -5880,11 +6072,7 @@
             </a:pPr>
             <a:r>
               <a:rPr lang="en-US" sz="2800" dirty="0" smtClean="0"/>
-              <a:t>It also reveals debug API features which are not available in the Solr Admin </a:t>
-            </a:r>
-            <a:r>
-              <a:rPr lang="en-US" sz="2800" dirty="0" smtClean="0"/>
-              <a:t>UI</a:t>
+              <a:t>It also reveals debug API features which are not available in the Solr Admin UI</a:t>
             </a:r>
           </a:p>
           <a:p>
@@ -5936,6 +6124,29 @@
               <a:buChar char="•"/>
             </a:pPr>
             <a:endParaRPr lang="en-US" sz="2800" dirty="0"/>
+          </a:p>
+        </p:txBody>
+      </p:sp>
+      <p:sp>
+        <p:nvSpPr>
+          <p:cNvPr id="4" name="Slide Number Placeholder 3"/>
+          <p:cNvSpPr>
+            <a:spLocks noGrp="1"/>
+          </p:cNvSpPr>
+          <p:nvPr>
+            <p:ph type="sldNum" sz="quarter" idx="12"/>
+          </p:nvPr>
+        </p:nvSpPr>
+        <p:spPr/>
+        <p:txBody>
+          <a:bodyPr/>
+          <a:lstStyle/>
+          <a:p>
+            <a:fld id="{4A7ABA5F-83ED-4133-89E4-6F5D6281BFBC}" type="slidenum">
+              <a:rPr lang="en-US" smtClean="0"/>
+              <a:t>14</a:t>
+            </a:fld>
+            <a:endParaRPr lang="en-US"/>
           </a:p>
         </p:txBody>
       </p:sp>
@@ -6099,6 +6310,29 @@
           </a:ln>
         </p:spPr>
       </p:pic>
+      <p:sp>
+        <p:nvSpPr>
+          <p:cNvPr id="4" name="Slide Number Placeholder 3"/>
+          <p:cNvSpPr>
+            <a:spLocks noGrp="1"/>
+          </p:cNvSpPr>
+          <p:nvPr>
+            <p:ph type="sldNum" sz="quarter" idx="12"/>
+          </p:nvPr>
+        </p:nvSpPr>
+        <p:spPr/>
+        <p:txBody>
+          <a:bodyPr/>
+          <a:lstStyle/>
+          <a:p>
+            <a:fld id="{4A7ABA5F-83ED-4133-89E4-6F5D6281BFBC}" type="slidenum">
+              <a:rPr lang="en-US" smtClean="0"/>
+              <a:t>15</a:t>
+            </a:fld>
+            <a:endParaRPr lang="en-US"/>
+          </a:p>
+        </p:txBody>
+      </p:sp>
     </p:spTree>
     <p:extLst>
       <p:ext uri="{BB962C8B-B14F-4D97-AF65-F5344CB8AC3E}">
@@ -6291,6 +6525,29 @@
           </a:prstGeom>
         </p:spPr>
       </p:pic>
+      <p:sp>
+        <p:nvSpPr>
+          <p:cNvPr id="5" name="Slide Number Placeholder 4"/>
+          <p:cNvSpPr>
+            <a:spLocks noGrp="1"/>
+          </p:cNvSpPr>
+          <p:nvPr>
+            <p:ph type="sldNum" sz="quarter" idx="12"/>
+          </p:nvPr>
+        </p:nvSpPr>
+        <p:spPr/>
+        <p:txBody>
+          <a:bodyPr/>
+          <a:lstStyle/>
+          <a:p>
+            <a:fld id="{4A7ABA5F-83ED-4133-89E4-6F5D6281BFBC}" type="slidenum">
+              <a:rPr lang="en-US" smtClean="0"/>
+              <a:t>16</a:t>
+            </a:fld>
+            <a:endParaRPr lang="en-US"/>
+          </a:p>
+        </p:txBody>
+      </p:sp>
     </p:spTree>
     <p:extLst>
       <p:ext uri="{BB962C8B-B14F-4D97-AF65-F5344CB8AC3E}">
@@ -6487,6 +6744,29 @@
           </a:p>
         </p:txBody>
       </p:sp>
+      <p:sp>
+        <p:nvSpPr>
+          <p:cNvPr id="3" name="Slide Number Placeholder 2"/>
+          <p:cNvSpPr>
+            <a:spLocks noGrp="1"/>
+          </p:cNvSpPr>
+          <p:nvPr>
+            <p:ph type="sldNum" sz="quarter" idx="12"/>
+          </p:nvPr>
+        </p:nvSpPr>
+        <p:spPr/>
+        <p:txBody>
+          <a:bodyPr/>
+          <a:lstStyle/>
+          <a:p>
+            <a:fld id="{4A7ABA5F-83ED-4133-89E4-6F5D6281BFBC}" type="slidenum">
+              <a:rPr lang="en-US" smtClean="0"/>
+              <a:t>17</a:t>
+            </a:fld>
+            <a:endParaRPr lang="en-US"/>
+          </a:p>
+        </p:txBody>
+      </p:sp>
     </p:spTree>
     <p:extLst>
       <p:ext uri="{BB962C8B-B14F-4D97-AF65-F5344CB8AC3E}">
@@ -6573,11 +6853,7 @@
             </a:pPr>
             <a:r>
               <a:rPr lang="en-US" sz="2800" dirty="0" smtClean="0"/>
-              <a:t>Defining the search </a:t>
-            </a:r>
-            <a:r>
-              <a:rPr lang="en-US" sz="2800" dirty="0" smtClean="0"/>
-              <a:t>task and the information need</a:t>
+              <a:t>Defining the search task and the information need</a:t>
             </a:r>
           </a:p>
           <a:p>
@@ -6673,6 +6949,29 @@
           </a:prstGeom>
         </p:spPr>
       </p:pic>
+      <p:sp>
+        <p:nvSpPr>
+          <p:cNvPr id="4" name="Slide Number Placeholder 3"/>
+          <p:cNvSpPr>
+            <a:spLocks noGrp="1"/>
+          </p:cNvSpPr>
+          <p:nvPr>
+            <p:ph type="sldNum" sz="quarter" idx="12"/>
+          </p:nvPr>
+        </p:nvSpPr>
+        <p:spPr/>
+        <p:txBody>
+          <a:bodyPr/>
+          <a:lstStyle/>
+          <a:p>
+            <a:fld id="{4A7ABA5F-83ED-4133-89E4-6F5D6281BFBC}" type="slidenum">
+              <a:rPr lang="en-US" smtClean="0"/>
+              <a:t>18</a:t>
+            </a:fld>
+            <a:endParaRPr lang="en-US"/>
+          </a:p>
+        </p:txBody>
+      </p:sp>
     </p:spTree>
     <p:extLst>
       <p:ext uri="{BB962C8B-B14F-4D97-AF65-F5344CB8AC3E}">
@@ -6730,11 +7029,7 @@
           <a:p>
             <a:r>
               <a:rPr lang="en-US" dirty="0" smtClean="0"/>
-              <a:t>Challenges </a:t>
-            </a:r>
-            <a:r>
-              <a:rPr lang="en-US" dirty="0" smtClean="0"/>
-              <a:t>(2)</a:t>
+              <a:t>Challenges (2)</a:t>
             </a:r>
             <a:endParaRPr lang="en-US" dirty="0"/>
           </a:p>
@@ -6888,6 +7183,29 @@
           </a:prstGeom>
         </p:spPr>
       </p:pic>
+      <p:sp>
+        <p:nvSpPr>
+          <p:cNvPr id="4" name="Slide Number Placeholder 3"/>
+          <p:cNvSpPr>
+            <a:spLocks noGrp="1"/>
+          </p:cNvSpPr>
+          <p:nvPr>
+            <p:ph type="sldNum" sz="quarter" idx="12"/>
+          </p:nvPr>
+        </p:nvSpPr>
+        <p:spPr/>
+        <p:txBody>
+          <a:bodyPr/>
+          <a:lstStyle/>
+          <a:p>
+            <a:fld id="{4A7ABA5F-83ED-4133-89E4-6F5D6281BFBC}" type="slidenum">
+              <a:rPr lang="en-US" smtClean="0"/>
+              <a:t>19</a:t>
+            </a:fld>
+            <a:endParaRPr lang="en-US"/>
+          </a:p>
+        </p:txBody>
+      </p:sp>
     </p:spTree>
     <p:extLst>
       <p:ext uri="{BB962C8B-B14F-4D97-AF65-F5344CB8AC3E}">
@@ -7018,6 +7336,29 @@
           </a:p>
         </p:txBody>
       </p:sp>
+      <p:sp>
+        <p:nvSpPr>
+          <p:cNvPr id="4" name="Slide Number Placeholder 3"/>
+          <p:cNvSpPr>
+            <a:spLocks noGrp="1"/>
+          </p:cNvSpPr>
+          <p:nvPr>
+            <p:ph type="sldNum" sz="quarter" idx="12"/>
+          </p:nvPr>
+        </p:nvSpPr>
+        <p:spPr/>
+        <p:txBody>
+          <a:bodyPr/>
+          <a:lstStyle/>
+          <a:p>
+            <a:fld id="{4A7ABA5F-83ED-4133-89E4-6F5D6281BFBC}" type="slidenum">
+              <a:rPr lang="en-US" smtClean="0"/>
+              <a:t>2</a:t>
+            </a:fld>
+            <a:endParaRPr lang="en-US"/>
+          </a:p>
+        </p:txBody>
+      </p:sp>
     </p:spTree>
     <p:extLst>
       <p:ext uri="{BB962C8B-B14F-4D97-AF65-F5344CB8AC3E}">
@@ -7169,6 +7510,29 @@
           </a:prstGeom>
         </p:spPr>
       </p:pic>
+      <p:sp>
+        <p:nvSpPr>
+          <p:cNvPr id="5" name="Slide Number Placeholder 4"/>
+          <p:cNvSpPr>
+            <a:spLocks noGrp="1"/>
+          </p:cNvSpPr>
+          <p:nvPr>
+            <p:ph type="sldNum" sz="quarter" idx="12"/>
+          </p:nvPr>
+        </p:nvSpPr>
+        <p:spPr/>
+        <p:txBody>
+          <a:bodyPr/>
+          <a:lstStyle/>
+          <a:p>
+            <a:fld id="{4A7ABA5F-83ED-4133-89E4-6F5D6281BFBC}" type="slidenum">
+              <a:rPr lang="en-US" smtClean="0"/>
+              <a:t>20</a:t>
+            </a:fld>
+            <a:endParaRPr lang="en-US"/>
+          </a:p>
+        </p:txBody>
+      </p:sp>
     </p:spTree>
     <p:extLst>
       <p:ext uri="{BB962C8B-B14F-4D97-AF65-F5344CB8AC3E}">
@@ -7278,7 +7642,29 @@
               <a:rPr lang="en-US" sz="2800" dirty="0" smtClean="0"/>
               <a:t>engine</a:t>
             </a:r>
-            <a:endParaRPr lang="en-US" sz="2800" dirty="0" smtClean="0"/>
+          </a:p>
+        </p:txBody>
+      </p:sp>
+      <p:sp>
+        <p:nvSpPr>
+          <p:cNvPr id="4" name="Slide Number Placeholder 3"/>
+          <p:cNvSpPr>
+            <a:spLocks noGrp="1"/>
+          </p:cNvSpPr>
+          <p:nvPr>
+            <p:ph type="sldNum" sz="quarter" idx="12"/>
+          </p:nvPr>
+        </p:nvSpPr>
+        <p:spPr/>
+        <p:txBody>
+          <a:bodyPr/>
+          <a:lstStyle/>
+          <a:p>
+            <a:fld id="{4A7ABA5F-83ED-4133-89E4-6F5D6281BFBC}" type="slidenum">
+              <a:rPr lang="en-US" smtClean="0"/>
+              <a:t>3</a:t>
+            </a:fld>
+            <a:endParaRPr lang="en-US"/>
           </a:p>
         </p:txBody>
       </p:sp>
@@ -7463,6 +7849,29 @@
           </a:prstGeom>
         </p:spPr>
       </p:pic>
+      <p:sp>
+        <p:nvSpPr>
+          <p:cNvPr id="5" name="Slide Number Placeholder 4"/>
+          <p:cNvSpPr>
+            <a:spLocks noGrp="1"/>
+          </p:cNvSpPr>
+          <p:nvPr>
+            <p:ph type="sldNum" sz="quarter" idx="12"/>
+          </p:nvPr>
+        </p:nvSpPr>
+        <p:spPr/>
+        <p:txBody>
+          <a:bodyPr/>
+          <a:lstStyle/>
+          <a:p>
+            <a:fld id="{4A7ABA5F-83ED-4133-89E4-6F5D6281BFBC}" type="slidenum">
+              <a:rPr lang="en-US" smtClean="0"/>
+              <a:t>4</a:t>
+            </a:fld>
+            <a:endParaRPr lang="en-US"/>
+          </a:p>
+        </p:txBody>
+      </p:sp>
     </p:spTree>
     <p:extLst>
       <p:ext uri="{BB962C8B-B14F-4D97-AF65-F5344CB8AC3E}">
@@ -7634,6 +8043,29 @@
           </a:prstGeom>
         </p:spPr>
       </p:pic>
+      <p:sp>
+        <p:nvSpPr>
+          <p:cNvPr id="5" name="Slide Number Placeholder 4"/>
+          <p:cNvSpPr>
+            <a:spLocks noGrp="1"/>
+          </p:cNvSpPr>
+          <p:nvPr>
+            <p:ph type="sldNum" sz="quarter" idx="12"/>
+          </p:nvPr>
+        </p:nvSpPr>
+        <p:spPr/>
+        <p:txBody>
+          <a:bodyPr/>
+          <a:lstStyle/>
+          <a:p>
+            <a:fld id="{4A7ABA5F-83ED-4133-89E4-6F5D6281BFBC}" type="slidenum">
+              <a:rPr lang="en-US" smtClean="0"/>
+              <a:t>5</a:t>
+            </a:fld>
+            <a:endParaRPr lang="en-US"/>
+          </a:p>
+        </p:txBody>
+      </p:sp>
     </p:spTree>
     <p:extLst>
       <p:ext uri="{BB962C8B-B14F-4D97-AF65-F5344CB8AC3E}">
@@ -7804,6 +8236,29 @@
           </a:prstGeom>
         </p:spPr>
       </p:pic>
+      <p:sp>
+        <p:nvSpPr>
+          <p:cNvPr id="5" name="Slide Number Placeholder 4"/>
+          <p:cNvSpPr>
+            <a:spLocks noGrp="1"/>
+          </p:cNvSpPr>
+          <p:nvPr>
+            <p:ph type="sldNum" sz="quarter" idx="12"/>
+          </p:nvPr>
+        </p:nvSpPr>
+        <p:spPr/>
+        <p:txBody>
+          <a:bodyPr/>
+          <a:lstStyle/>
+          <a:p>
+            <a:fld id="{4A7ABA5F-83ED-4133-89E4-6F5D6281BFBC}" type="slidenum">
+              <a:rPr lang="en-US" smtClean="0"/>
+              <a:t>6</a:t>
+            </a:fld>
+            <a:endParaRPr lang="en-US"/>
+          </a:p>
+        </p:txBody>
+      </p:sp>
     </p:spTree>
     <p:extLst>
       <p:ext uri="{BB962C8B-B14F-4D97-AF65-F5344CB8AC3E}">
@@ -8275,6 +8730,29 @@
           </a:p>
         </p:txBody>
       </p:sp>
+      <p:sp>
+        <p:nvSpPr>
+          <p:cNvPr id="2" name="Slide Number Placeholder 1"/>
+          <p:cNvSpPr>
+            <a:spLocks noGrp="1"/>
+          </p:cNvSpPr>
+          <p:nvPr>
+            <p:ph type="sldNum" sz="quarter" idx="12"/>
+          </p:nvPr>
+        </p:nvSpPr>
+        <p:spPr/>
+        <p:txBody>
+          <a:bodyPr/>
+          <a:lstStyle/>
+          <a:p>
+            <a:fld id="{4A7ABA5F-83ED-4133-89E4-6F5D6281BFBC}" type="slidenum">
+              <a:rPr lang="en-US" smtClean="0"/>
+              <a:t>7</a:t>
+            </a:fld>
+            <a:endParaRPr lang="en-US"/>
+          </a:p>
+        </p:txBody>
+      </p:sp>
     </p:spTree>
     <p:extLst>
       <p:ext uri="{BB962C8B-B14F-4D97-AF65-F5344CB8AC3E}">
@@ -8361,15 +8839,7 @@
             </a:pPr>
             <a:r>
               <a:rPr lang="en-US" sz="2800" dirty="0" smtClean="0"/>
-              <a:t>Configured </a:t>
-            </a:r>
-            <a:r>
-              <a:rPr lang="en-US" sz="2800" dirty="0" smtClean="0"/>
-              <a:t>Solr search </a:t>
-            </a:r>
-            <a:r>
-              <a:rPr lang="en-US" sz="2800" dirty="0" smtClean="0"/>
-              <a:t>engine suited for the JBS end users</a:t>
+              <a:t>Configured Solr search engine suited for the JBS end users</a:t>
             </a:r>
           </a:p>
           <a:p>
@@ -8389,11 +8859,7 @@
             </a:pPr>
             <a:r>
               <a:rPr lang="en-US" sz="2800" dirty="0" smtClean="0"/>
-              <a:t>Tools </a:t>
-            </a:r>
-            <a:r>
-              <a:rPr lang="en-US" sz="2800" dirty="0" smtClean="0"/>
-              <a:t>for administrator</a:t>
+              <a:t>Tools for administrator</a:t>
             </a:r>
           </a:p>
           <a:p>
@@ -8475,6 +8941,29 @@
               <a:buChar char="•"/>
             </a:pPr>
             <a:endParaRPr lang="en-US" sz="2800" dirty="0"/>
+          </a:p>
+        </p:txBody>
+      </p:sp>
+      <p:sp>
+        <p:nvSpPr>
+          <p:cNvPr id="4" name="Slide Number Placeholder 3"/>
+          <p:cNvSpPr>
+            <a:spLocks noGrp="1"/>
+          </p:cNvSpPr>
+          <p:nvPr>
+            <p:ph type="sldNum" sz="quarter" idx="12"/>
+          </p:nvPr>
+        </p:nvSpPr>
+        <p:spPr/>
+        <p:txBody>
+          <a:bodyPr/>
+          <a:lstStyle/>
+          <a:p>
+            <a:fld id="{4A7ABA5F-83ED-4133-89E4-6F5D6281BFBC}" type="slidenum">
+              <a:rPr lang="en-US" smtClean="0"/>
+              <a:t>8</a:t>
+            </a:fld>
+            <a:endParaRPr lang="en-US"/>
           </a:p>
         </p:txBody>
       </p:sp>
@@ -8678,6 +9167,29 @@
           </a:prstGeom>
         </p:spPr>
       </p:pic>
+      <p:sp>
+        <p:nvSpPr>
+          <p:cNvPr id="4" name="Slide Number Placeholder 3"/>
+          <p:cNvSpPr>
+            <a:spLocks noGrp="1"/>
+          </p:cNvSpPr>
+          <p:nvPr>
+            <p:ph type="sldNum" sz="quarter" idx="12"/>
+          </p:nvPr>
+        </p:nvSpPr>
+        <p:spPr/>
+        <p:txBody>
+          <a:bodyPr/>
+          <a:lstStyle/>
+          <a:p>
+            <a:fld id="{4A7ABA5F-83ED-4133-89E4-6F5D6281BFBC}" type="slidenum">
+              <a:rPr lang="en-US" smtClean="0"/>
+              <a:t>9</a:t>
+            </a:fld>
+            <a:endParaRPr lang="en-US"/>
+          </a:p>
+        </p:txBody>
+      </p:sp>
     </p:spTree>
     <p:extLst>
       <p:ext uri="{BB962C8B-B14F-4D97-AF65-F5344CB8AC3E}">

--- a/Jewish Bookshelf IR System.pptx
+++ b/Jewish Bookshelf IR System.pptx
@@ -216,7 +216,7 @@
           <a:p>
             <a:fld id="{AAD71016-DD9C-4AAD-8028-88364BFD6EEF}" type="datetimeFigureOut">
               <a:rPr lang="en-US" smtClean="0"/>
-              <a:t>16/03/2017</a:t>
+              <a:t>12/3/2017</a:t>
             </a:fld>
             <a:endParaRPr lang="en-US"/>
           </a:p>
@@ -1331,7 +1331,7 @@
           <a:p>
             <a:fld id="{969C9539-A737-4956-A749-359A2D952436}" type="datetime1">
               <a:rPr lang="en-US" smtClean="0"/>
-              <a:t>16/03/2017</a:t>
+              <a:t>12/3/2017</a:t>
             </a:fld>
             <a:endParaRPr lang="en-US"/>
           </a:p>
@@ -1542,7 +1542,7 @@
           <a:p>
             <a:fld id="{BEE01510-E85C-4EEA-AF30-A37EC9FC0441}" type="datetime1">
               <a:rPr lang="en-US" smtClean="0"/>
-              <a:t>16/03/2017</a:t>
+              <a:t>12/3/2017</a:t>
             </a:fld>
             <a:endParaRPr lang="en-US"/>
           </a:p>
@@ -1801,7 +1801,7 @@
           <a:p>
             <a:fld id="{0DC3E96C-4FBE-4CE9-9793-77E4C3973528}" type="datetime1">
               <a:rPr lang="en-US" smtClean="0"/>
-              <a:t>16/03/2017</a:t>
+              <a:t>12/3/2017</a:t>
             </a:fld>
             <a:endParaRPr lang="en-US"/>
           </a:p>
@@ -1922,35 +1922,53 @@
           <a:p>
             <a:pPr lvl="0"/>
             <a:r>
-              <a:rPr lang="he-IL" smtClean="0"/>
+              <a:rPr lang="he-IL" dirty="0" smtClean="0"/>
               <a:t>לחץ כדי לערוך סגנונות טקסט של תבנית בסיס</a:t>
             </a:r>
           </a:p>
           <a:p>
             <a:pPr lvl="1"/>
             <a:r>
-              <a:rPr lang="he-IL" smtClean="0"/>
-              <a:t>רמה שנייה</a:t>
-            </a:r>
+              <a:rPr lang="he-IL" dirty="0" smtClean="0"/>
+              <a:t>רמה </a:t>
+            </a:r>
+            <a:r>
+              <a:rPr lang="he-IL" dirty="0" smtClean="0"/>
+              <a:t>שנייה</a:t>
+            </a:r>
+            <a:r>
+              <a:rPr lang="en-US" dirty="0" smtClean="0"/>
+              <a:t> </a:t>
+            </a:r>
+            <a:endParaRPr lang="he-IL" dirty="0" smtClean="0"/>
           </a:p>
           <a:p>
             <a:pPr lvl="2"/>
             <a:r>
-              <a:rPr lang="he-IL" smtClean="0"/>
-              <a:t>רמה שלישית</a:t>
-            </a:r>
+              <a:rPr lang="he-IL" dirty="0" smtClean="0"/>
+              <a:t>רמה </a:t>
+            </a:r>
+            <a:r>
+              <a:rPr lang="he-IL" dirty="0" smtClean="0"/>
+              <a:t>שלישית</a:t>
+            </a:r>
+            <a:r>
+              <a:rPr lang="en-US" dirty="0" smtClean="0"/>
+              <a:t> </a:t>
+            </a:r>
+            <a:endParaRPr lang="he-IL" dirty="0" smtClean="0"/>
           </a:p>
           <a:p>
             <a:pPr lvl="3"/>
             <a:r>
-              <a:rPr lang="he-IL" smtClean="0"/>
+              <a:rPr lang="he-IL" dirty="0" smtClean="0"/>
               <a:t>רמה רביעית</a:t>
             </a:r>
           </a:p>
           <a:p>
             <a:pPr lvl="4"/>
             <a:r>
-              <a:rPr lang="he-IL" smtClean="0"/>
+              <a:rPr lang="he-IL" dirty="0" smtClean="0"/>
               <a:t>רמה חמישית</a:t>
             </a:r>
             <a:endParaRPr lang="en-US" dirty="0"/>
@@ -1974,7 +1992,7 @@
           <a:p>
             <a:fld id="{5165555E-1D22-4513-BA45-CF1C14A4F5C8}" type="datetime1">
               <a:rPr lang="en-US" smtClean="0"/>
-              <a:t>16/03/2017</a:t>
+              <a:t>12/3/2017</a:t>
             </a:fld>
             <a:endParaRPr lang="en-US"/>
           </a:p>
@@ -2320,7 +2338,7 @@
           <a:p>
             <a:fld id="{6928AEE7-D2A3-4EA7-AA61-55347C3FA994}" type="datetime1">
               <a:rPr lang="en-US" smtClean="0"/>
-              <a:t>16/03/2017</a:t>
+              <a:t>12/3/2017</a:t>
             </a:fld>
             <a:endParaRPr lang="en-US"/>
           </a:p>
@@ -2598,7 +2616,7 @@
           <a:p>
             <a:fld id="{D13D3CFF-6204-446C-9B49-AF9D08CE1595}" type="datetime1">
               <a:rPr lang="en-US" smtClean="0"/>
-              <a:t>16/03/2017</a:t>
+              <a:t>12/3/2017</a:t>
             </a:fld>
             <a:endParaRPr lang="en-US"/>
           </a:p>
@@ -2980,7 +2998,7 @@
           <a:p>
             <a:fld id="{8BEB8382-B43F-46DC-85B9-A7972E248A83}" type="datetime1">
               <a:rPr lang="en-US" smtClean="0"/>
-              <a:t>16/03/2017</a:t>
+              <a:t>12/3/2017</a:t>
             </a:fld>
             <a:endParaRPr lang="en-US"/>
           </a:p>
@@ -3101,7 +3119,7 @@
           <a:p>
             <a:fld id="{28BD8A72-34B3-4C9E-9978-3161AA3C1006}" type="datetime1">
               <a:rPr lang="en-US" smtClean="0"/>
-              <a:t>16/03/2017</a:t>
+              <a:t>12/3/2017</a:t>
             </a:fld>
             <a:endParaRPr lang="en-US"/>
           </a:p>
@@ -3275,7 +3293,7 @@
           <a:p>
             <a:fld id="{D2130325-42DB-4132-97D8-122F47ABCB7D}" type="datetime1">
               <a:rPr lang="en-US" smtClean="0"/>
-              <a:t>16/03/2017</a:t>
+              <a:t>12/3/2017</a:t>
             </a:fld>
             <a:endParaRPr lang="en-US"/>
           </a:p>
@@ -3632,7 +3650,7 @@
           <a:p>
             <a:fld id="{424EB9FA-A144-4B11-889C-BC4CC0676214}" type="datetime1">
               <a:rPr lang="en-US" smtClean="0"/>
-              <a:t>16/03/2017</a:t>
+              <a:t>12/3/2017</a:t>
             </a:fld>
             <a:endParaRPr lang="en-US"/>
           </a:p>
@@ -4012,7 +4030,7 @@
           <a:p>
             <a:fld id="{30F63A8A-1A44-41E0-8D99-3F967DE320C1}" type="datetime1">
               <a:rPr lang="en-US" smtClean="0"/>
-              <a:t>16/03/2017</a:t>
+              <a:t>12/3/2017</a:t>
             </a:fld>
             <a:endParaRPr lang="en-US"/>
           </a:p>
@@ -4302,7 +4320,7 @@
           <a:p>
             <a:fld id="{B7653353-42CB-4BF3-B3B1-D1A894B40A2C}" type="datetime1">
               <a:rPr lang="en-US" smtClean="0"/>
-              <a:t>16/03/2017</a:t>
+              <a:t>12/3/2017</a:t>
             </a:fld>
             <a:endParaRPr lang="en-US"/>
           </a:p>
@@ -4842,7 +4860,9 @@
         </p:nvSpPr>
         <p:spPr/>
         <p:txBody>
-          <a:bodyPr/>
+          <a:bodyPr>
+            <a:normAutofit fontScale="90000"/>
+          </a:bodyPr>
           <a:lstStyle/>
           <a:p>
             <a:r>
@@ -4853,15 +4873,30 @@
               <a:rPr lang="en-US" dirty="0" smtClean="0"/>
             </a:br>
             <a:r>
+              <a:rPr lang="en-US" dirty="0"/>
+              <a:t/>
+            </a:r>
+            <a:br>
+              <a:rPr lang="en-US" dirty="0"/>
+            </a:br>
+            <a:r>
+              <a:rPr lang="en-US" dirty="0"/>
+              <a:t/>
+            </a:r>
+            <a:br>
+              <a:rPr lang="en-US" dirty="0"/>
+            </a:br>
+            <a:r>
               <a:rPr lang="en-US" dirty="0" smtClean="0"/>
-              <a:t>Jewish Bookshelf</a:t>
-            </a:r>
-            <a:br>
+              <a:t>A Search </a:t>
+            </a:r>
+            <a:r>
+              <a:rPr lang="en-US" dirty="0"/>
+              <a:t>E</a:t>
+            </a:r>
+            <a:r>
               <a:rPr lang="en-US" dirty="0" smtClean="0"/>
-            </a:br>
-            <a:r>
-              <a:rPr lang="en-US" dirty="0" smtClean="0"/>
-              <a:t>IR System</a:t>
+              <a:t>ngine for the Jewish Bookshelf</a:t>
             </a:r>
             <a:endParaRPr lang="en-US" dirty="0"/>
           </a:p>
@@ -4877,10 +4912,15 @@
             <p:ph type="subTitle" idx="1"/>
           </p:nvPr>
         </p:nvSpPr>
-        <p:spPr/>
+        <p:spPr>
+          <a:xfrm>
+            <a:off x="1100051" y="4455621"/>
+            <a:ext cx="10058400" cy="1632358"/>
+          </a:xfrm>
+        </p:spPr>
         <p:txBody>
           <a:bodyPr>
-            <a:normAutofit fontScale="85000" lnSpcReduction="20000"/>
+            <a:normAutofit fontScale="92500" lnSpcReduction="20000"/>
           </a:bodyPr>
           <a:lstStyle/>
           <a:p>
@@ -4905,9 +4945,33 @@
               <a:t>: Oren </a:t>
             </a:r>
             <a:r>
-              <a:rPr lang="en-US" dirty="0" err="1"/>
+              <a:rPr lang="en-US" dirty="0" err="1" smtClean="0"/>
               <a:t>mishali</a:t>
             </a:r>
+            <a:endParaRPr lang="en-US" dirty="0" smtClean="0"/>
+          </a:p>
+          <a:p>
+            <a:r>
+              <a:rPr lang="en-US" sz="1900" dirty="0" smtClean="0"/>
+              <a:t>Additional </a:t>
+            </a:r>
+            <a:r>
+              <a:rPr lang="en-US" sz="1900" dirty="0" err="1" smtClean="0"/>
+              <a:t>DocumentatioN</a:t>
+            </a:r>
+            <a:r>
+              <a:rPr lang="en-US" sz="1900" dirty="0"/>
+              <a:t>: </a:t>
+            </a:r>
+            <a:r>
+              <a:rPr lang="en-US" sz="1900" dirty="0">
+                <a:hlinkClick r:id="rId3"/>
+              </a:rPr>
+              <a:t>https://github.com/TechnionTDK/jbs-ir</a:t>
+            </a:r>
+            <a:endParaRPr lang="en-US" sz="1900" dirty="0" smtClean="0"/>
+          </a:p>
+          <a:p>
             <a:endParaRPr lang="en-US" dirty="0"/>
           </a:p>
           <a:p>
@@ -5259,7 +5323,23 @@
             </a:pPr>
             <a:r>
               <a:rPr lang="en-US" sz="2800" dirty="0" smtClean="0"/>
-              <a:t>Since HebMorph is more suitable for modern Hebrew, we don’t see optimal results at our domain – which is closer to biblical Hebrew </a:t>
+              <a:t>Since HebMorph is more suitable for modern Hebrew, we don’t see optimal </a:t>
+            </a:r>
+            <a:r>
+              <a:rPr lang="en-US" sz="2800" dirty="0" smtClean="0"/>
+              <a:t>results for ancient texts in </a:t>
+            </a:r>
+            <a:r>
+              <a:rPr lang="en-US" sz="2800" dirty="0" smtClean="0"/>
+              <a:t>our domain – which is </a:t>
+            </a:r>
+            <a:r>
+              <a:rPr lang="en-US" sz="2800" dirty="0" smtClean="0"/>
+              <a:t>written in </a:t>
+            </a:r>
+            <a:r>
+              <a:rPr lang="en-US" sz="2800" dirty="0" smtClean="0"/>
+              <a:t>biblical Hebrew </a:t>
             </a:r>
           </a:p>
           <a:p>
@@ -6150,6 +6230,36 @@
           </a:p>
         </p:txBody>
       </p:sp>
+      <p:pic>
+        <p:nvPicPr>
+          <p:cNvPr id="5" name="תמונה 4"/>
+          <p:cNvPicPr>
+            <a:picLocks noChangeAspect="1"/>
+          </p:cNvPicPr>
+          <p:nvPr/>
+        </p:nvPicPr>
+        <p:blipFill>
+          <a:blip r:embed="rId2" cstate="print">
+            <a:extLst>
+              <a:ext uri="{28A0092B-C50C-407E-A947-70E740481C1C}">
+                <a14:useLocalDpi xmlns:a14="http://schemas.microsoft.com/office/drawing/2010/main" val="0"/>
+              </a:ext>
+            </a:extLst>
+          </a:blip>
+          <a:stretch>
+            <a:fillRect/>
+          </a:stretch>
+        </p:blipFill>
+        <p:spPr>
+          <a:xfrm>
+            <a:off x="10022304" y="618070"/>
+            <a:ext cx="1087200" cy="1087200"/>
+          </a:xfrm>
+          <a:prstGeom prst="rect">
+            <a:avLst/>
+          </a:prstGeom>
+        </p:spPr>
+      </p:pic>
     </p:spTree>
     <p:extLst>
       <p:ext uri="{BB962C8B-B14F-4D97-AF65-F5344CB8AC3E}">
@@ -6333,6 +6443,36 @@
           </a:p>
         </p:txBody>
       </p:sp>
+      <p:pic>
+        <p:nvPicPr>
+          <p:cNvPr id="7" name="תמונה 6"/>
+          <p:cNvPicPr>
+            <a:picLocks noChangeAspect="1"/>
+          </p:cNvPicPr>
+          <p:nvPr/>
+        </p:nvPicPr>
+        <p:blipFill>
+          <a:blip r:embed="rId4" cstate="print">
+            <a:extLst>
+              <a:ext uri="{28A0092B-C50C-407E-A947-70E740481C1C}">
+                <a14:useLocalDpi xmlns:a14="http://schemas.microsoft.com/office/drawing/2010/main" val="0"/>
+              </a:ext>
+            </a:extLst>
+          </a:blip>
+          <a:stretch>
+            <a:fillRect/>
+          </a:stretch>
+        </p:blipFill>
+        <p:spPr>
+          <a:xfrm>
+            <a:off x="10022304" y="618070"/>
+            <a:ext cx="1087200" cy="1087200"/>
+          </a:xfrm>
+          <a:prstGeom prst="rect">
+            <a:avLst/>
+          </a:prstGeom>
+        </p:spPr>
+      </p:pic>
     </p:spTree>
     <p:extLst>
       <p:ext uri="{BB962C8B-B14F-4D97-AF65-F5344CB8AC3E}">
@@ -6409,7 +6549,7 @@
         <p:spPr/>
         <p:txBody>
           <a:bodyPr>
-            <a:normAutofit/>
+            <a:noAutofit/>
           </a:bodyPr>
           <a:lstStyle/>
           <a:p>
@@ -6483,8 +6623,23 @@
             </a:pPr>
             <a:r>
               <a:rPr lang="en-US" sz="2600" dirty="0" smtClean="0"/>
-              <a:t>Be aligned with Hebrew text</a:t>
-            </a:r>
+              <a:t>Be aligned with Hebrew </a:t>
+            </a:r>
+            <a:r>
+              <a:rPr lang="en-US" sz="2600" dirty="0" smtClean="0"/>
+              <a:t>text</a:t>
+            </a:r>
+          </a:p>
+          <a:p>
+            <a:pPr lvl="1">
+              <a:buFont typeface="Arial" panose="020B0604020202020204" pitchFamily="34" charset="0"/>
+              <a:buChar char="•"/>
+            </a:pPr>
+            <a:r>
+              <a:rPr lang="en-US" sz="2600" dirty="0" smtClean="0"/>
+              <a:t>Highlight query terms in results</a:t>
+            </a:r>
+            <a:endParaRPr lang="en-US" sz="2600" dirty="0"/>
           </a:p>
           <a:p>
             <a:pPr lvl="1">
@@ -6647,43 +6802,6 @@
           </a:ln>
         </p:spPr>
       </p:pic>
-      <p:pic>
-        <p:nvPicPr>
-          <p:cNvPr id="9" name="תמונה 8"/>
-          <p:cNvPicPr>
-            <a:picLocks noChangeAspect="1"/>
-          </p:cNvPicPr>
-          <p:nvPr/>
-        </p:nvPicPr>
-        <p:blipFill>
-          <a:blip r:embed="rId3">
-            <a:extLst>
-              <a:ext uri="{28A0092B-C50C-407E-A947-70E740481C1C}">
-                <a14:useLocalDpi xmlns:a14="http://schemas.microsoft.com/office/drawing/2010/main" val="0"/>
-              </a:ext>
-            </a:extLst>
-          </a:blip>
-          <a:stretch>
-            <a:fillRect/>
-          </a:stretch>
-        </p:blipFill>
-        <p:spPr>
-          <a:xfrm>
-            <a:off x="6405134" y="1809749"/>
-            <a:ext cx="4750546" cy="4501854"/>
-          </a:xfrm>
-          <a:prstGeom prst="rect">
-            <a:avLst/>
-          </a:prstGeom>
-          <a:ln>
-            <a:solidFill>
-              <a:schemeClr val="bg1">
-                <a:lumMod val="50000"/>
-              </a:schemeClr>
-            </a:solidFill>
-          </a:ln>
-        </p:spPr>
-      </p:pic>
       <p:sp>
         <p:nvSpPr>
           <p:cNvPr id="10" name="TextBox 9"/>
@@ -6714,6 +6832,37 @@
           </a:p>
         </p:txBody>
       </p:sp>
+      <p:pic>
+        <p:nvPicPr>
+          <p:cNvPr id="4" name="תמונה 3"/>
+          <p:cNvPicPr>
+            <a:picLocks noChangeAspect="1"/>
+          </p:cNvPicPr>
+          <p:nvPr/>
+        </p:nvPicPr>
+        <p:blipFill>
+          <a:blip r:embed="rId3"/>
+          <a:stretch>
+            <a:fillRect/>
+          </a:stretch>
+        </p:blipFill>
+        <p:spPr>
+          <a:xfrm>
+            <a:off x="6407973" y="1809748"/>
+            <a:ext cx="4744865" cy="4501856"/>
+          </a:xfrm>
+          <a:prstGeom prst="rect">
+            <a:avLst/>
+          </a:prstGeom>
+          <a:ln w="9525">
+            <a:solidFill>
+              <a:schemeClr val="bg1">
+                <a:lumMod val="50000"/>
+              </a:schemeClr>
+            </a:solidFill>
+          </a:ln>
+        </p:spPr>
+      </p:pic>
       <p:sp>
         <p:nvSpPr>
           <p:cNvPr id="11" name="TextBox 10"/>
@@ -7262,16 +7411,8 @@
           <a:lstStyle/>
           <a:p>
             <a:r>
-              <a:rPr lang="en-US" dirty="0" smtClean="0"/>
-              <a:t>Background </a:t>
-            </a:r>
-            <a:r>
-              <a:rPr lang="en-US" dirty="0"/>
-              <a:t>and </a:t>
-            </a:r>
-            <a:r>
-              <a:rPr lang="en-US" dirty="0" smtClean="0"/>
-              <a:t>motivation (1)</a:t>
+              <a:rPr lang="en-US" smtClean="0"/>
+              <a:t>The Context</a:t>
             </a:r>
             <a:endParaRPr lang="en-US" dirty="0"/>
           </a:p>
@@ -7299,12 +7440,8 @@
               <a:buChar char="•"/>
             </a:pPr>
             <a:r>
-              <a:rPr lang="en-US" sz="2800" dirty="0"/>
-              <a:t>The project is a part of the Jewish Bookshelf ecosystem in the Technion Data and Knowledge </a:t>
-            </a:r>
-            <a:r>
               <a:rPr lang="en-US" sz="2800" dirty="0" smtClean="0"/>
-              <a:t>Lab</a:t>
+              <a:t>The project is a part of the Jewish Bookshelf ecosystem (JBS) in the Technion Data and Knowledge Lab</a:t>
             </a:r>
           </a:p>
           <a:p>
@@ -7314,8 +7451,13 @@
             </a:pPr>
             <a:r>
               <a:rPr lang="en-US" sz="2800" dirty="0" smtClean="0"/>
-              <a:t>JBS produces and uses hundreds of thousands of JSON objects that describe data</a:t>
-            </a:r>
+              <a:t>In the JBS project, hundreds of thousands of JSON objects that </a:t>
+            </a:r>
+            <a:r>
+              <a:rPr lang="en-US" sz="2800" dirty="0" smtClean="0"/>
+              <a:t>represent Jewish texts are produced and used</a:t>
+            </a:r>
+            <a:endParaRPr lang="en-US" sz="2800" dirty="0" smtClean="0"/>
           </a:p>
           <a:p>
             <a:pPr>
@@ -7324,8 +7466,33 @@
             </a:pPr>
             <a:r>
               <a:rPr lang="en-US" sz="2800" dirty="0" smtClean="0"/>
-              <a:t>A potential user can be a data scientist, who needs to research and analyze this corpus of data</a:t>
-            </a:r>
+              <a:t>A potential users of this data:</a:t>
+            </a:r>
+          </a:p>
+          <a:p>
+            <a:pPr lvl="1">
+              <a:buFont typeface="Arial" panose="020B0604020202020204" pitchFamily="34" charset="0"/>
+              <a:buChar char="•"/>
+            </a:pPr>
+            <a:r>
+              <a:rPr lang="en-US" sz="2600" dirty="0" smtClean="0"/>
+              <a:t>A data scientist, who needs to research and analyze this corpus of data</a:t>
+            </a:r>
+          </a:p>
+          <a:p>
+            <a:pPr lvl="1">
+              <a:buFont typeface="Arial" panose="020B0604020202020204" pitchFamily="34" charset="0"/>
+              <a:buChar char="•"/>
+            </a:pPr>
+            <a:r>
+              <a:rPr lang="en-US" sz="2400" dirty="0" smtClean="0"/>
+              <a:t>An average user, </a:t>
+            </a:r>
+            <a:r>
+              <a:rPr lang="en-US" sz="2400" dirty="0"/>
+              <a:t>who would like the data to be accessible in a straightforward way </a:t>
+            </a:r>
+            <a:endParaRPr lang="en-US" sz="2600" dirty="0" smtClean="0"/>
           </a:p>
           <a:p>
             <a:pPr>
@@ -7589,12 +7756,8 @@
           <a:lstStyle/>
           <a:p>
             <a:r>
-              <a:rPr lang="en-US" dirty="0"/>
-              <a:t>Background and </a:t>
-            </a:r>
-            <a:r>
               <a:rPr lang="en-US" dirty="0" smtClean="0"/>
-              <a:t>motivation (2)</a:t>
+              <a:t>Project Goal</a:t>
             </a:r>
             <a:endParaRPr lang="en-US" dirty="0"/>
           </a:p>
@@ -7610,9 +7773,16 @@
             <p:ph idx="1"/>
           </p:nvPr>
         </p:nvSpPr>
-        <p:spPr/>
-        <p:txBody>
-          <a:bodyPr/>
+        <p:spPr>
+          <a:xfrm>
+            <a:off x="1097280" y="1845734"/>
+            <a:ext cx="10058400" cy="1686606"/>
+          </a:xfrm>
+        </p:spPr>
+        <p:txBody>
+          <a:bodyPr>
+            <a:normAutofit/>
+          </a:bodyPr>
           <a:lstStyle/>
           <a:p>
             <a:pPr>
@@ -7620,8 +7790,8 @@
               <a:buChar char="•"/>
             </a:pPr>
             <a:r>
-              <a:rPr lang="en-US" sz="2800" dirty="0"/>
-              <a:t>Another use case might be an average user who would like the data to be accessible in a straightforward way </a:t>
+              <a:rPr lang="en-US" sz="2800" dirty="0" smtClean="0"/>
+              <a:t>We would like to make the produced Jewish texts accessible for end users</a:t>
             </a:r>
             <a:endParaRPr lang="en-US" sz="2800" dirty="0" smtClean="0"/>
           </a:p>
@@ -7632,15 +7802,7 @@
             </a:pPr>
             <a:r>
               <a:rPr lang="en-US" sz="2800" dirty="0" smtClean="0"/>
-              <a:t>The </a:t>
-            </a:r>
-            <a:r>
-              <a:rPr lang="en-US" sz="2800" dirty="0"/>
-              <a:t>best solution to make a large amount of data available for users is a comprehensive search </a:t>
-            </a:r>
-            <a:r>
-              <a:rPr lang="en-US" sz="2800" dirty="0" smtClean="0"/>
-              <a:t>engine</a:t>
+              <a:t>The natural solution – a search engine</a:t>
             </a:r>
           </a:p>
         </p:txBody>
@@ -7665,6 +7827,69 @@
               <a:t>3</a:t>
             </a:fld>
             <a:endParaRPr lang="en-US"/>
+          </a:p>
+        </p:txBody>
+      </p:sp>
+      <p:sp>
+        <p:nvSpPr>
+          <p:cNvPr id="5" name="מלבן 4"/>
+          <p:cNvSpPr/>
+          <p:nvPr/>
+        </p:nvSpPr>
+        <p:spPr>
+          <a:xfrm>
+            <a:off x="1783080" y="3640714"/>
+            <a:ext cx="8898490" cy="1453019"/>
+          </a:xfrm>
+          <a:prstGeom prst="rect">
+            <a:avLst/>
+          </a:prstGeom>
+          <a:solidFill>
+            <a:schemeClr val="accent1">
+              <a:lumMod val="40000"/>
+              <a:lumOff val="60000"/>
+            </a:schemeClr>
+          </a:solidFill>
+          <a:ln>
+            <a:noFill/>
+          </a:ln>
+          <a:effectLst>
+            <a:outerShdw blurRad="50800" dist="38100" dir="5400000" algn="t" rotWithShape="0">
+              <a:prstClr val="black">
+                <a:alpha val="40000"/>
+              </a:prstClr>
+            </a:outerShdw>
+          </a:effectLst>
+        </p:spPr>
+        <p:style>
+          <a:lnRef idx="2">
+            <a:schemeClr val="accent1">
+              <a:shade val="50000"/>
+            </a:schemeClr>
+          </a:lnRef>
+          <a:fillRef idx="1">
+            <a:schemeClr val="accent1"/>
+          </a:fillRef>
+          <a:effectRef idx="0">
+            <a:schemeClr val="accent1"/>
+          </a:effectRef>
+          <a:fontRef idx="minor">
+            <a:schemeClr val="lt1"/>
+          </a:fontRef>
+        </p:style>
+        <p:txBody>
+          <a:bodyPr rtlCol="0" anchor="ctr"/>
+          <a:lstStyle/>
+          <a:p>
+            <a:pPr algn="ctr"/>
+            <a:r>
+              <a:rPr lang="en-US" sz="3200" dirty="0">
+                <a:solidFill>
+                  <a:schemeClr val="tx1"/>
+                </a:solidFill>
+              </a:rPr>
+              <a:t>It appears that there is no open and comprehensive “Google-like” search engine for Jewish texts</a:t>
+            </a:r>
           </a:p>
         </p:txBody>
       </p:sp>
@@ -7725,7 +7950,11 @@
           <a:p>
             <a:r>
               <a:rPr lang="en-US" dirty="0" smtClean="0"/>
-              <a:t>Our solution (1) </a:t>
+              <a:t>Our </a:t>
+            </a:r>
+            <a:r>
+              <a:rPr lang="en-US" dirty="0" smtClean="0"/>
+              <a:t>Solution</a:t>
             </a:r>
             <a:endParaRPr lang="en-US" dirty="0"/>
           </a:p>
@@ -7741,7 +7970,12 @@
             <p:ph idx="1"/>
           </p:nvPr>
         </p:nvSpPr>
-        <p:spPr/>
+        <p:spPr>
+          <a:xfrm>
+            <a:off x="1097280" y="1845734"/>
+            <a:ext cx="9887552" cy="4023360"/>
+          </a:xfrm>
+        </p:spPr>
         <p:txBody>
           <a:bodyPr>
             <a:normAutofit/>
@@ -7754,7 +7988,23 @@
             </a:pPr>
             <a:r>
               <a:rPr lang="en-US" sz="2800" dirty="0" smtClean="0"/>
-              <a:t>This project is unique as after studying the domain, the task and the users needs, we decided to use COTS software solutions</a:t>
+              <a:t>A</a:t>
+            </a:r>
+            <a:r>
+              <a:rPr lang="en-US" sz="2800" dirty="0" smtClean="0"/>
+              <a:t>fter studying the domain, the task and the users needs, we decided to </a:t>
+            </a:r>
+            <a:r>
+              <a:rPr lang="en-US" sz="2800" dirty="0"/>
+              <a:t>use COTS (Component Of The </a:t>
+            </a:r>
+            <a:r>
+              <a:rPr lang="en-US" sz="2800" dirty="0" smtClean="0"/>
+              <a:t>Shelf) </a:t>
+            </a:r>
+            <a:r>
+              <a:rPr lang="en-US" sz="2800" dirty="0" smtClean="0"/>
+              <a:t>software solutions</a:t>
             </a:r>
           </a:p>
           <a:p>
@@ -7774,7 +8024,11 @@
             </a:pPr>
             <a:r>
               <a:rPr lang="en-US" sz="2600" dirty="0" smtClean="0"/>
-              <a:t>Selecting the best suiting </a:t>
+              <a:t>Selecting </a:t>
+            </a:r>
+            <a:r>
+              <a:rPr lang="en-US" sz="2600" dirty="0" smtClean="0"/>
+              <a:t>the best suiting </a:t>
             </a:r>
             <a:r>
               <a:rPr lang="en-US" sz="2400" dirty="0"/>
@@ -7841,7 +8095,7 @@
         </p:blipFill>
         <p:spPr>
           <a:xfrm>
-            <a:off x="9727988" y="651510"/>
+            <a:off x="9728771" y="651510"/>
             <a:ext cx="1427692" cy="1085850"/>
           </a:xfrm>
           <a:prstGeom prst="rect">
@@ -7928,12 +8182,8 @@
           <a:lstStyle/>
           <a:p>
             <a:r>
-              <a:rPr lang="en-US" dirty="0"/>
-              <a:t>Our solution </a:t>
-            </a:r>
-            <a:r>
               <a:rPr lang="en-US" dirty="0" smtClean="0"/>
-              <a:t>(2) </a:t>
+              <a:t>SOLR-based Search Engine</a:t>
             </a:r>
             <a:endParaRPr lang="en-US" dirty="0"/>
           </a:p>
@@ -7960,8 +8210,13 @@
             </a:pPr>
             <a:r>
               <a:rPr lang="en-US" sz="2800" dirty="0" smtClean="0"/>
-              <a:t>After exploring a few options, based on several considerations, we selected </a:t>
-            </a:r>
+              <a:t>After exploring a few options, based on several considerations, we </a:t>
+            </a:r>
+            <a:r>
+              <a:rPr lang="en-US" sz="2800" dirty="0" smtClean="0"/>
+              <a:t>selected</a:t>
+            </a:r>
+            <a:endParaRPr lang="en-US" sz="2800" dirty="0" smtClean="0"/>
           </a:p>
           <a:p>
             <a:pPr lvl="1">
@@ -7970,8 +8225,33 @@
             </a:pPr>
             <a:r>
               <a:rPr lang="en-US" sz="2600" dirty="0" smtClean="0"/>
-              <a:t>Apache Solr 6 to be our search platform</a:t>
-            </a:r>
+              <a:t>Apache Solr 6 to be our search </a:t>
+            </a:r>
+            <a:r>
+              <a:rPr lang="en-US" sz="2600" dirty="0"/>
+              <a:t>platform  </a:t>
+            </a:r>
+            <a:r>
+              <a:rPr lang="en-US" sz="2600" dirty="0" smtClean="0"/>
+              <a:t>             (</a:t>
+            </a:r>
+            <a:r>
+              <a:rPr lang="en-US" sz="2000" dirty="0">
+                <a:hlinkClick r:id="rId2"/>
+              </a:rPr>
+              <a:t>http://</a:t>
+            </a:r>
+            <a:r>
+              <a:rPr lang="en-US" sz="2000" dirty="0" smtClean="0">
+                <a:hlinkClick r:id="rId2"/>
+              </a:rPr>
+              <a:t>lucene.apache.org/solr</a:t>
+            </a:r>
+            <a:r>
+              <a:rPr lang="en-US" sz="2600" dirty="0" smtClean="0"/>
+              <a:t>)</a:t>
+            </a:r>
+            <a:endParaRPr lang="en-US" sz="2600" dirty="0" smtClean="0"/>
           </a:p>
           <a:p>
             <a:pPr lvl="1">
@@ -7980,13 +8260,38 @@
             </a:pPr>
             <a:r>
               <a:rPr lang="en-US" sz="2600" dirty="0" smtClean="0"/>
-              <a:t>HebMorph to be the </a:t>
+              <a:t>HebMorph </a:t>
+            </a:r>
+            <a:r>
+              <a:rPr lang="en-US" sz="2600" dirty="0" smtClean="0"/>
+              <a:t>to be the </a:t>
             </a:r>
             <a:r>
               <a:rPr lang="en-US" sz="2600" dirty="0"/>
               <a:t>analyzer for Hebrew text </a:t>
             </a:r>
-            <a:endParaRPr lang="en-US" sz="2600" dirty="0" smtClean="0"/>
+            <a:r>
+              <a:rPr lang="en-US" sz="2600" dirty="0"/>
+              <a:t>(</a:t>
+            </a:r>
+            <a:r>
+              <a:rPr lang="en-US" sz="2000" dirty="0">
+                <a:hlinkClick r:id="rId3"/>
+              </a:rPr>
+              <a:t>https://github.com/synhershko/HebMorph</a:t>
+            </a:r>
+            <a:r>
+              <a:rPr lang="en-US" sz="2600" dirty="0" smtClean="0"/>
+              <a:t>)</a:t>
+            </a:r>
+            <a:endParaRPr lang="en-US" sz="2600" dirty="0"/>
+          </a:p>
+          <a:p>
+            <a:pPr lvl="1">
+              <a:buFont typeface="Arial" panose="020B0604020202020204" pitchFamily="34" charset="0"/>
+              <a:buChar char="•"/>
+            </a:pPr>
+            <a:endParaRPr lang="en-US" sz="2800" dirty="0" smtClean="0"/>
           </a:p>
           <a:p>
             <a:pPr>
@@ -8003,7 +8308,7 @@
             </a:r>
             <a:r>
               <a:rPr lang="en-US" sz="2800" dirty="0">
-                <a:hlinkClick r:id="rId2"/>
+                <a:hlinkClick r:id="rId4"/>
               </a:rPr>
               <a:t>GitHub repository</a:t>
             </a:r>
@@ -8014,58 +8319,59 @@
           </a:p>
         </p:txBody>
       </p:sp>
+      <p:sp>
+        <p:nvSpPr>
+          <p:cNvPr id="5" name="Slide Number Placeholder 4"/>
+          <p:cNvSpPr>
+            <a:spLocks noGrp="1"/>
+          </p:cNvSpPr>
+          <p:nvPr>
+            <p:ph type="sldNum" sz="quarter" idx="12"/>
+          </p:nvPr>
+        </p:nvSpPr>
+        <p:spPr/>
+        <p:txBody>
+          <a:bodyPr/>
+          <a:lstStyle/>
+          <a:p>
+            <a:fld id="{4A7ABA5F-83ED-4133-89E4-6F5D6281BFBC}" type="slidenum">
+              <a:rPr lang="en-US" smtClean="0"/>
+              <a:t>5</a:t>
+            </a:fld>
+            <a:endParaRPr lang="en-US"/>
+          </a:p>
+        </p:txBody>
+      </p:sp>
       <p:pic>
         <p:nvPicPr>
-          <p:cNvPr id="4" name="תמונה 3"/>
+          <p:cNvPr id="6" name="תמונה 5"/>
           <p:cNvPicPr>
             <a:picLocks noChangeAspect="1"/>
           </p:cNvPicPr>
           <p:nvPr/>
         </p:nvPicPr>
-        <p:blipFill rotWithShape="1">
-          <a:blip r:embed="rId3">
+        <p:blipFill>
+          <a:blip r:embed="rId5" cstate="print">
             <a:extLst>
               <a:ext uri="{28A0092B-C50C-407E-A947-70E740481C1C}">
                 <a14:useLocalDpi xmlns:a14="http://schemas.microsoft.com/office/drawing/2010/main" val="0"/>
               </a:ext>
             </a:extLst>
           </a:blip>
-          <a:srcRect l="24914" r="26289" b="32075"/>
-          <a:stretch/>
+          <a:stretch>
+            <a:fillRect/>
+          </a:stretch>
         </p:blipFill>
         <p:spPr>
           <a:xfrm>
-            <a:off x="9727988" y="651510"/>
-            <a:ext cx="1427692" cy="1085850"/>
+            <a:off x="9458632" y="771185"/>
+            <a:ext cx="1697048" cy="857551"/>
           </a:xfrm>
           <a:prstGeom prst="rect">
             <a:avLst/>
           </a:prstGeom>
         </p:spPr>
       </p:pic>
-      <p:sp>
-        <p:nvSpPr>
-          <p:cNvPr id="5" name="Slide Number Placeholder 4"/>
-          <p:cNvSpPr>
-            <a:spLocks noGrp="1"/>
-          </p:cNvSpPr>
-          <p:nvPr>
-            <p:ph type="sldNum" sz="quarter" idx="12"/>
-          </p:nvPr>
-        </p:nvSpPr>
-        <p:spPr/>
-        <p:txBody>
-          <a:bodyPr/>
-          <a:lstStyle/>
-          <a:p>
-            <a:fld id="{4A7ABA5F-83ED-4133-89E4-6F5D6281BFBC}" type="slidenum">
-              <a:rPr lang="en-US" smtClean="0"/>
-              <a:t>5</a:t>
-            </a:fld>
-            <a:endParaRPr lang="en-US"/>
-          </a:p>
-        </p:txBody>
-      </p:sp>
     </p:spTree>
     <p:extLst>
       <p:ext uri="{BB962C8B-B14F-4D97-AF65-F5344CB8AC3E}">
@@ -8139,7 +8445,12 @@
             <p:ph idx="1"/>
           </p:nvPr>
         </p:nvSpPr>
-        <p:spPr/>
+        <p:spPr>
+          <a:xfrm>
+            <a:off x="1097280" y="1845734"/>
+            <a:ext cx="10401613" cy="4023360"/>
+          </a:xfrm>
+        </p:spPr>
         <p:txBody>
           <a:bodyPr>
             <a:normAutofit/>
@@ -8191,16 +8502,6 @@
             <a:r>
               <a:rPr lang="en-US" sz="2800" dirty="0" smtClean="0"/>
               <a:t> website</a:t>
-            </a:r>
-          </a:p>
-          <a:p>
-            <a:pPr>
-              <a:buFont typeface="Arial" panose="020B0604020202020204" pitchFamily="34" charset="0"/>
-              <a:buChar char="•"/>
-            </a:pPr>
-            <a:r>
-              <a:rPr lang="en-US" sz="2800" dirty="0" smtClean="0"/>
-              <a:t>A typical file in JBS text</a:t>
             </a:r>
           </a:p>
           <a:p>
@@ -8228,8 +8529,8 @@
         </p:blipFill>
         <p:spPr>
           <a:xfrm>
-            <a:off x="1097280" y="3184445"/>
-            <a:ext cx="6573520" cy="3128014"/>
+            <a:off x="1407353" y="2830533"/>
+            <a:ext cx="6815369" cy="3243098"/>
           </a:xfrm>
           <a:prstGeom prst="rect">
             <a:avLst/>
@@ -8256,6 +8557,68 @@
               <a:t>6</a:t>
             </a:fld>
             <a:endParaRPr lang="en-US"/>
+          </a:p>
+        </p:txBody>
+      </p:sp>
+      <p:sp>
+        <p:nvSpPr>
+          <p:cNvPr id="6" name="הסבר מלבני 5"/>
+          <p:cNvSpPr/>
+          <p:nvPr/>
+        </p:nvSpPr>
+        <p:spPr>
+          <a:xfrm>
+            <a:off x="8902099" y="3071868"/>
+            <a:ext cx="2923674" cy="2667195"/>
+          </a:xfrm>
+          <a:prstGeom prst="wedgeRectCallout">
+            <a:avLst>
+              <a:gd name="adj1" fmla="val -87089"/>
+              <a:gd name="adj2" fmla="val -12077"/>
+            </a:avLst>
+          </a:prstGeom>
+        </p:spPr>
+        <p:style>
+          <a:lnRef idx="2">
+            <a:schemeClr val="accent1">
+              <a:shade val="50000"/>
+            </a:schemeClr>
+          </a:lnRef>
+          <a:fillRef idx="1">
+            <a:schemeClr val="accent1"/>
+          </a:fillRef>
+          <a:effectRef idx="0">
+            <a:schemeClr val="accent1"/>
+          </a:effectRef>
+          <a:fontRef idx="minor">
+            <a:schemeClr val="lt1"/>
+          </a:fontRef>
+        </p:style>
+        <p:txBody>
+          <a:bodyPr rtlCol="0" anchor="ctr"/>
+          <a:lstStyle/>
+          <a:p>
+            <a:pPr algn="ctr"/>
+            <a:r>
+              <a:rPr lang="en-US" sz="2000" dirty="0"/>
+              <a:t>Each JSON object is considered as a “document” by the search </a:t>
+            </a:r>
+            <a:r>
+              <a:rPr lang="en-US" sz="2000" dirty="0" smtClean="0"/>
+              <a:t>engine.</a:t>
+            </a:r>
+          </a:p>
+          <a:p>
+            <a:pPr algn="ctr"/>
+            <a:endParaRPr lang="en-US" sz="2000" dirty="0"/>
+          </a:p>
+          <a:p>
+            <a:pPr algn="ctr"/>
+            <a:r>
+              <a:rPr lang="en-US" sz="2000" dirty="0" smtClean="0"/>
+              <a:t>In this example we see three JSON objects</a:t>
+            </a:r>
+            <a:endParaRPr lang="en-US" sz="2000" dirty="0"/>
           </a:p>
         </p:txBody>
       </p:sp>

--- a/Jewish Bookshelf IR System.pptx
+++ b/Jewish Bookshelf IR System.pptx
@@ -216,7 +216,7 @@
           <a:p>
             <a:fld id="{AAD71016-DD9C-4AAD-8028-88364BFD6EEF}" type="datetimeFigureOut">
               <a:rPr lang="en-US" smtClean="0"/>
-              <a:t>12/3/2017</a:t>
+              <a:t>12/4/2017</a:t>
             </a:fld>
             <a:endParaRPr lang="en-US"/>
           </a:p>
@@ -1331,7 +1331,7 @@
           <a:p>
             <a:fld id="{969C9539-A737-4956-A749-359A2D952436}" type="datetime1">
               <a:rPr lang="en-US" smtClean="0"/>
-              <a:t>12/3/2017</a:t>
+              <a:t>12/4/2017</a:t>
             </a:fld>
             <a:endParaRPr lang="en-US"/>
           </a:p>
@@ -1542,7 +1542,7 @@
           <a:p>
             <a:fld id="{BEE01510-E85C-4EEA-AF30-A37EC9FC0441}" type="datetime1">
               <a:rPr lang="en-US" smtClean="0"/>
-              <a:t>12/3/2017</a:t>
+              <a:t>12/4/2017</a:t>
             </a:fld>
             <a:endParaRPr lang="en-US"/>
           </a:p>
@@ -1801,7 +1801,7 @@
           <a:p>
             <a:fld id="{0DC3E96C-4FBE-4CE9-9793-77E4C3973528}" type="datetime1">
               <a:rPr lang="en-US" smtClean="0"/>
-              <a:t>12/3/2017</a:t>
+              <a:t>12/4/2017</a:t>
             </a:fld>
             <a:endParaRPr lang="en-US"/>
           </a:p>
@@ -1930,11 +1930,7 @@
             <a:pPr lvl="1"/>
             <a:r>
               <a:rPr lang="he-IL" dirty="0" smtClean="0"/>
-              <a:t>רמה </a:t>
-            </a:r>
-            <a:r>
-              <a:rPr lang="he-IL" dirty="0" smtClean="0"/>
-              <a:t>שנייה</a:t>
+              <a:t>רמה שנייה</a:t>
             </a:r>
             <a:r>
               <a:rPr lang="en-US" dirty="0" smtClean="0"/>
@@ -1946,11 +1942,7 @@
             <a:pPr lvl="2"/>
             <a:r>
               <a:rPr lang="he-IL" dirty="0" smtClean="0"/>
-              <a:t>רמה </a:t>
-            </a:r>
-            <a:r>
-              <a:rPr lang="he-IL" dirty="0" smtClean="0"/>
-              <a:t>שלישית</a:t>
+              <a:t>רמה שלישית</a:t>
             </a:r>
             <a:r>
               <a:rPr lang="en-US" dirty="0" smtClean="0"/>
@@ -1992,7 +1984,7 @@
           <a:p>
             <a:fld id="{5165555E-1D22-4513-BA45-CF1C14A4F5C8}" type="datetime1">
               <a:rPr lang="en-US" smtClean="0"/>
-              <a:t>12/3/2017</a:t>
+              <a:t>12/4/2017</a:t>
             </a:fld>
             <a:endParaRPr lang="en-US"/>
           </a:p>
@@ -2338,7 +2330,7 @@
           <a:p>
             <a:fld id="{6928AEE7-D2A3-4EA7-AA61-55347C3FA994}" type="datetime1">
               <a:rPr lang="en-US" smtClean="0"/>
-              <a:t>12/3/2017</a:t>
+              <a:t>12/4/2017</a:t>
             </a:fld>
             <a:endParaRPr lang="en-US"/>
           </a:p>
@@ -2616,7 +2608,7 @@
           <a:p>
             <a:fld id="{D13D3CFF-6204-446C-9B49-AF9D08CE1595}" type="datetime1">
               <a:rPr lang="en-US" smtClean="0"/>
-              <a:t>12/3/2017</a:t>
+              <a:t>12/4/2017</a:t>
             </a:fld>
             <a:endParaRPr lang="en-US"/>
           </a:p>
@@ -2998,7 +2990,7 @@
           <a:p>
             <a:fld id="{8BEB8382-B43F-46DC-85B9-A7972E248A83}" type="datetime1">
               <a:rPr lang="en-US" smtClean="0"/>
-              <a:t>12/3/2017</a:t>
+              <a:t>12/4/2017</a:t>
             </a:fld>
             <a:endParaRPr lang="en-US"/>
           </a:p>
@@ -3119,7 +3111,7 @@
           <a:p>
             <a:fld id="{28BD8A72-34B3-4C9E-9978-3161AA3C1006}" type="datetime1">
               <a:rPr lang="en-US" smtClean="0"/>
-              <a:t>12/3/2017</a:t>
+              <a:t>12/4/2017</a:t>
             </a:fld>
             <a:endParaRPr lang="en-US"/>
           </a:p>
@@ -3293,7 +3285,7 @@
           <a:p>
             <a:fld id="{D2130325-42DB-4132-97D8-122F47ABCB7D}" type="datetime1">
               <a:rPr lang="en-US" smtClean="0"/>
-              <a:t>12/3/2017</a:t>
+              <a:t>12/4/2017</a:t>
             </a:fld>
             <a:endParaRPr lang="en-US"/>
           </a:p>
@@ -3650,7 +3642,7 @@
           <a:p>
             <a:fld id="{424EB9FA-A144-4B11-889C-BC4CC0676214}" type="datetime1">
               <a:rPr lang="en-US" smtClean="0"/>
-              <a:t>12/3/2017</a:t>
+              <a:t>12/4/2017</a:t>
             </a:fld>
             <a:endParaRPr lang="en-US"/>
           </a:p>
@@ -4030,7 +4022,7 @@
           <a:p>
             <a:fld id="{30F63A8A-1A44-41E0-8D99-3F967DE320C1}" type="datetime1">
               <a:rPr lang="en-US" smtClean="0"/>
-              <a:t>12/3/2017</a:t>
+              <a:t>12/4/2017</a:t>
             </a:fld>
             <a:endParaRPr lang="en-US"/>
           </a:p>
@@ -4320,7 +4312,7 @@
           <a:p>
             <a:fld id="{B7653353-42CB-4BF3-B3B1-D1A894B40A2C}" type="datetime1">
               <a:rPr lang="en-US" smtClean="0"/>
-              <a:t>12/3/2017</a:t>
+              <a:t>12/4/2017</a:t>
             </a:fld>
             <a:endParaRPr lang="en-US"/>
           </a:p>
@@ -4952,16 +4944,12 @@
           </a:p>
           <a:p>
             <a:r>
-              <a:rPr lang="en-US" sz="1900" dirty="0" smtClean="0"/>
+              <a:rPr lang="en-US" sz="1900" smtClean="0"/>
               <a:t>Additional </a:t>
             </a:r>
             <a:r>
-              <a:rPr lang="en-US" sz="1900" dirty="0" err="1" smtClean="0"/>
-              <a:t>DocumentatioN</a:t>
-            </a:r>
-            <a:r>
-              <a:rPr lang="en-US" sz="1900" dirty="0"/>
-              <a:t>: </a:t>
+              <a:rPr lang="en-US" sz="1900" smtClean="0"/>
+              <a:t>Documentation: </a:t>
             </a:r>
             <a:r>
               <a:rPr lang="en-US" sz="1900" dirty="0">
@@ -5323,23 +5311,7 @@
             </a:pPr>
             <a:r>
               <a:rPr lang="en-US" sz="2800" dirty="0" smtClean="0"/>
-              <a:t>Since HebMorph is more suitable for modern Hebrew, we don’t see optimal </a:t>
-            </a:r>
-            <a:r>
-              <a:rPr lang="en-US" sz="2800" dirty="0" smtClean="0"/>
-              <a:t>results for ancient texts in </a:t>
-            </a:r>
-            <a:r>
-              <a:rPr lang="en-US" sz="2800" dirty="0" smtClean="0"/>
-              <a:t>our domain – which is </a:t>
-            </a:r>
-            <a:r>
-              <a:rPr lang="en-US" sz="2800" dirty="0" smtClean="0"/>
-              <a:t>written in </a:t>
-            </a:r>
-            <a:r>
-              <a:rPr lang="en-US" sz="2800" dirty="0" smtClean="0"/>
-              <a:t>biblical Hebrew </a:t>
+              <a:t>Since HebMorph is more suitable for modern Hebrew, we don’t see optimal results for ancient texts in our domain – which is written in biblical Hebrew </a:t>
             </a:r>
           </a:p>
           <a:p>
@@ -6623,11 +6595,7 @@
             </a:pPr>
             <a:r>
               <a:rPr lang="en-US" sz="2600" dirty="0" smtClean="0"/>
-              <a:t>Be aligned with Hebrew </a:t>
-            </a:r>
-            <a:r>
-              <a:rPr lang="en-US" sz="2600" dirty="0" smtClean="0"/>
-              <a:t>text</a:t>
+              <a:t>Be aligned with Hebrew text</a:t>
             </a:r>
           </a:p>
           <a:p>
@@ -7451,13 +7419,8 @@
             </a:pPr>
             <a:r>
               <a:rPr lang="en-US" sz="2800" dirty="0" smtClean="0"/>
-              <a:t>In the JBS project, hundreds of thousands of JSON objects that </a:t>
-            </a:r>
-            <a:r>
-              <a:rPr lang="en-US" sz="2800" dirty="0" smtClean="0"/>
-              <a:t>represent Jewish texts are produced and used</a:t>
-            </a:r>
-            <a:endParaRPr lang="en-US" sz="2800" dirty="0" smtClean="0"/>
+              <a:t>In the JBS project, hundreds of thousands of JSON objects that represent Jewish texts are produced and used</a:t>
+            </a:r>
           </a:p>
           <a:p>
             <a:pPr>
@@ -7793,7 +7756,6 @@
               <a:rPr lang="en-US" sz="2800" dirty="0" smtClean="0"/>
               <a:t>We would like to make the produced Jewish texts accessible for end users</a:t>
             </a:r>
-            <a:endParaRPr lang="en-US" sz="2800" dirty="0" smtClean="0"/>
           </a:p>
           <a:p>
             <a:pPr>
@@ -7950,11 +7912,7 @@
           <a:p>
             <a:r>
               <a:rPr lang="en-US" dirty="0" smtClean="0"/>
-              <a:t>Our </a:t>
-            </a:r>
-            <a:r>
-              <a:rPr lang="en-US" dirty="0" smtClean="0"/>
-              <a:t>Solution</a:t>
+              <a:t>Our Solution</a:t>
             </a:r>
             <a:endParaRPr lang="en-US" dirty="0"/>
           </a:p>
@@ -7988,11 +7946,7 @@
             </a:pPr>
             <a:r>
               <a:rPr lang="en-US" sz="2800" dirty="0" smtClean="0"/>
-              <a:t>A</a:t>
-            </a:r>
-            <a:r>
-              <a:rPr lang="en-US" sz="2800" dirty="0" smtClean="0"/>
-              <a:t>fter studying the domain, the task and the users needs, we decided to </a:t>
+              <a:t>After studying the domain, the task and the users needs, we decided to </a:t>
             </a:r>
             <a:r>
               <a:rPr lang="en-US" sz="2800" dirty="0"/>
@@ -8000,11 +7954,7 @@
             </a:r>
             <a:r>
               <a:rPr lang="en-US" sz="2800" dirty="0" smtClean="0"/>
-              <a:t>Shelf) </a:t>
-            </a:r>
-            <a:r>
-              <a:rPr lang="en-US" sz="2800" dirty="0" smtClean="0"/>
-              <a:t>software solutions</a:t>
+              <a:t>Shelf) software solutions</a:t>
             </a:r>
           </a:p>
           <a:p>
@@ -8024,11 +7974,7 @@
             </a:pPr>
             <a:r>
               <a:rPr lang="en-US" sz="2600" dirty="0" smtClean="0"/>
-              <a:t>Selecting </a:t>
-            </a:r>
-            <a:r>
-              <a:rPr lang="en-US" sz="2600" dirty="0" smtClean="0"/>
-              <a:t>the best suiting </a:t>
+              <a:t>Selecting the best suiting </a:t>
             </a:r>
             <a:r>
               <a:rPr lang="en-US" sz="2400" dirty="0"/>
@@ -8210,13 +8156,8 @@
             </a:pPr>
             <a:r>
               <a:rPr lang="en-US" sz="2800" dirty="0" smtClean="0"/>
-              <a:t>After exploring a few options, based on several considerations, we </a:t>
-            </a:r>
-            <a:r>
-              <a:rPr lang="en-US" sz="2800" dirty="0" smtClean="0"/>
-              <a:t>selected</a:t>
-            </a:r>
-            <a:endParaRPr lang="en-US" sz="2800" dirty="0" smtClean="0"/>
+              <a:t>After exploring a few options, based on several considerations, we selected</a:t>
+            </a:r>
           </a:p>
           <a:p>
             <a:pPr lvl="1">
@@ -8251,7 +8192,6 @@
               <a:rPr lang="en-US" sz="2600" dirty="0" smtClean="0"/>
               <a:t>)</a:t>
             </a:r>
-            <a:endParaRPr lang="en-US" sz="2600" dirty="0" smtClean="0"/>
           </a:p>
           <a:p>
             <a:pPr lvl="1">
@@ -8260,19 +8200,11 @@
             </a:pPr>
             <a:r>
               <a:rPr lang="en-US" sz="2600" dirty="0" smtClean="0"/>
-              <a:t>HebMorph </a:t>
-            </a:r>
-            <a:r>
-              <a:rPr lang="en-US" sz="2600" dirty="0" smtClean="0"/>
-              <a:t>to be the </a:t>
+              <a:t>HebMorph to be the </a:t>
             </a:r>
             <a:r>
               <a:rPr lang="en-US" sz="2600" dirty="0"/>
-              <a:t>analyzer for Hebrew text </a:t>
-            </a:r>
-            <a:r>
-              <a:rPr lang="en-US" sz="2600" dirty="0"/>
-              <a:t>(</a:t>
+              <a:t>analyzer for Hebrew text (</a:t>
             </a:r>
             <a:r>
               <a:rPr lang="en-US" sz="2000" dirty="0">
